--- a/Blatt-02/Präsentation.pptx
+++ b/Blatt-02/Präsentation.pptx
@@ -5,7 +5,7 @@
     <p:sldMasterId id="2147483705" r:id="rId1"/>
   </p:sldMasterIdLst>
   <p:notesMasterIdLst>
-    <p:notesMasterId r:id="rId8"/>
+    <p:notesMasterId r:id="rId9"/>
   </p:notesMasterIdLst>
   <p:sldIdLst>
     <p:sldId id="256" r:id="rId2"/>
@@ -13,7 +13,8 @@
     <p:sldId id="258" r:id="rId4"/>
     <p:sldId id="259" r:id="rId5"/>
     <p:sldId id="260" r:id="rId6"/>
-    <p:sldId id="261" r:id="rId7"/>
+    <p:sldId id="262" r:id="rId7"/>
+    <p:sldId id="261" r:id="rId8"/>
   </p:sldIdLst>
   <p:sldSz cx="12192000" cy="6858000"/>
   <p:notesSz cx="6858000" cy="9144000"/>
@@ -112,6 +113,11 @@
       </a:defRPr>
     </a:lvl9pPr>
   </p:defaultTextStyle>
+  <p:extLst>
+    <p:ext uri="{EFAFB233-063F-42B5-8137-9DF3F51BA10A}">
+      <p15:sldGuideLst xmlns:p15="http://schemas.microsoft.com/office/powerpoint/2012/main"/>
+    </p:ext>
+  </p:extLst>
 </p:presentation>
 </file>
 
@@ -197,7 +203,7 @@
           <a:p>
             <a:fld id="{2F9ACA95-1F7E-40AB-98C2-525508467FA4}" type="datetimeFigureOut">
               <a:rPr lang="de-DE" smtClean="0"/>
-              <a:t>28.10.2016</a:t>
+              <a:t>02.11.2016</a:t>
             </a:fld>
             <a:endParaRPr lang="de-DE"/>
           </a:p>
@@ -659,7 +665,7 @@
           <a:p>
             <a:fld id="{FFB9B448-9D56-4847-9449-FEA23C208484}" type="datetime1">
               <a:rPr lang="de-DE" smtClean="0"/>
-              <a:t>28.10.2016</a:t>
+              <a:t>02.11.2016</a:t>
             </a:fld>
             <a:endParaRPr lang="de-DE"/>
           </a:p>
@@ -944,7 +950,7 @@
           <a:p>
             <a:fld id="{D5101F55-84DD-4CC8-9DC5-A961225D8AD0}" type="datetime1">
               <a:rPr lang="de-DE" smtClean="0"/>
-              <a:t>28.10.2016</a:t>
+              <a:t>02.11.2016</a:t>
             </a:fld>
             <a:endParaRPr lang="de-DE"/>
           </a:p>
@@ -1138,7 +1144,7 @@
           <a:p>
             <a:fld id="{1DF941D6-187C-4382-AA25-C433F49CFDE9}" type="datetime1">
               <a:rPr lang="de-DE" smtClean="0"/>
-              <a:t>28.10.2016</a:t>
+              <a:t>02.11.2016</a:t>
             </a:fld>
             <a:endParaRPr lang="de-DE"/>
           </a:p>
@@ -1411,7 +1417,7 @@
           <a:p>
             <a:fld id="{D7C252ED-C230-4A26-B3C4-0B552D630415}" type="datetime1">
               <a:rPr lang="de-DE" smtClean="0"/>
-              <a:t>28.10.2016</a:t>
+              <a:t>02.11.2016</a:t>
             </a:fld>
             <a:endParaRPr lang="de-DE"/>
           </a:p>
@@ -1752,7 +1758,7 @@
           <a:p>
             <a:fld id="{66EDD134-AFB6-44CF-BF5E-9AA63954F15F}" type="datetime1">
               <a:rPr lang="de-DE" smtClean="0"/>
-              <a:t>28.10.2016</a:t>
+              <a:t>02.11.2016</a:t>
             </a:fld>
             <a:endParaRPr lang="de-DE"/>
           </a:p>
@@ -2375,7 +2381,7 @@
           <a:p>
             <a:fld id="{15B35619-9EBD-4CE2-B9AB-29B9A9708D56}" type="datetime1">
               <a:rPr lang="de-DE" smtClean="0"/>
-              <a:t>28.10.2016</a:t>
+              <a:t>02.11.2016</a:t>
             </a:fld>
             <a:endParaRPr lang="de-DE"/>
           </a:p>
@@ -3235,7 +3241,7 @@
           <a:p>
             <a:fld id="{F779AAE1-DA64-4553-8450-F76990E95D17}" type="datetime1">
               <a:rPr lang="de-DE" smtClean="0"/>
-              <a:t>28.10.2016</a:t>
+              <a:t>02.11.2016</a:t>
             </a:fld>
             <a:endParaRPr lang="de-DE"/>
           </a:p>
@@ -3405,7 +3411,7 @@
           <a:p>
             <a:fld id="{C070D5ED-9C58-444B-A9F3-09364A72AAA6}" type="datetime1">
               <a:rPr lang="de-DE" smtClean="0"/>
-              <a:t>28.10.2016</a:t>
+              <a:t>02.11.2016</a:t>
             </a:fld>
             <a:endParaRPr lang="de-DE"/>
           </a:p>
@@ -3585,7 +3591,7 @@
           <a:p>
             <a:fld id="{9CC4B844-5603-498E-8854-01FDF44E05A3}" type="datetime1">
               <a:rPr lang="de-DE" smtClean="0"/>
-              <a:t>28.10.2016</a:t>
+              <a:t>02.11.2016</a:t>
             </a:fld>
             <a:endParaRPr lang="de-DE"/>
           </a:p>
@@ -3802,7 +3808,7 @@
           <a:p>
             <a:fld id="{62A8A28E-B5F5-41EE-B009-8D872471EF33}" type="datetime1">
               <a:rPr lang="de-DE" smtClean="0"/>
-              <a:t>28.10.2016</a:t>
+              <a:t>02.11.2016</a:t>
             </a:fld>
             <a:endParaRPr lang="de-DE"/>
           </a:p>
@@ -4095,7 +4101,7 @@
           <a:p>
             <a:fld id="{C668A2FC-1D94-4AFD-B13A-264307E66F0E}" type="datetime1">
               <a:rPr lang="de-DE" smtClean="0"/>
-              <a:t>28.10.2016</a:t>
+              <a:t>02.11.2016</a:t>
             </a:fld>
             <a:endParaRPr lang="de-DE"/>
           </a:p>
@@ -4387,7 +4393,7 @@
           <a:p>
             <a:fld id="{2392C0AE-0F7D-4F53-A2FC-117257E6363C}" type="datetime1">
               <a:rPr lang="de-DE" smtClean="0"/>
-              <a:t>28.10.2016</a:t>
+              <a:t>02.11.2016</a:t>
             </a:fld>
             <a:endParaRPr lang="de-DE"/>
           </a:p>
@@ -4831,7 +4837,7 @@
           <a:p>
             <a:fld id="{024A5A3D-FE15-4E66-B8EF-993BEB944775}" type="datetime1">
               <a:rPr lang="de-DE" smtClean="0"/>
-              <a:t>28.10.2016</a:t>
+              <a:t>02.11.2016</a:t>
             </a:fld>
             <a:endParaRPr lang="de-DE"/>
           </a:p>
@@ -4949,7 +4955,7 @@
           <a:p>
             <a:fld id="{00286FA3-E64C-4EE7-A4EB-8F83E8E9A7CE}" type="datetime1">
               <a:rPr lang="de-DE" smtClean="0"/>
-              <a:t>28.10.2016</a:t>
+              <a:t>02.11.2016</a:t>
             </a:fld>
             <a:endParaRPr lang="de-DE"/>
           </a:p>
@@ -5044,7 +5050,7 @@
           <a:p>
             <a:fld id="{0815E655-9175-41F2-86F9-456F81B03D6B}" type="datetime1">
               <a:rPr lang="de-DE" smtClean="0"/>
-              <a:t>28.10.2016</a:t>
+              <a:t>02.11.2016</a:t>
             </a:fld>
             <a:endParaRPr lang="de-DE"/>
           </a:p>
@@ -5323,7 +5329,7 @@
           <a:p>
             <a:fld id="{6109BDD6-B3C4-4BA6-9B0A-C065E0514132}" type="datetime1">
               <a:rPr lang="de-DE" smtClean="0"/>
-              <a:t>28.10.2016</a:t>
+              <a:t>02.11.2016</a:t>
             </a:fld>
             <a:endParaRPr lang="de-DE"/>
           </a:p>
@@ -5598,7 +5604,7 @@
           <a:p>
             <a:fld id="{1350D439-E1FF-4A10-8D0F-32AF8651CAFC}" type="datetime1">
               <a:rPr lang="de-DE" smtClean="0"/>
-              <a:t>28.10.2016</a:t>
+              <a:t>02.11.2016</a:t>
             </a:fld>
             <a:endParaRPr lang="de-DE"/>
           </a:p>
@@ -6027,7 +6033,7 @@
           <a:p>
             <a:fld id="{3B8CB95F-FF94-40FD-9011-74B5D39A5779}" type="datetime1">
               <a:rPr lang="de-DE" smtClean="0"/>
-              <a:t>28.10.2016</a:t>
+              <a:t>02.11.2016</a:t>
             </a:fld>
             <a:endParaRPr lang="de-DE"/>
           </a:p>
@@ -6621,7 +6627,7 @@
           <a:p>
             <a:fld id="{BCC8CF4D-1F15-45F0-B9F6-88473EBEFC5A}" type="datetime1">
               <a:rPr lang="de-DE" smtClean="0"/>
-              <a:t>28.10.2016</a:t>
+              <a:t>02.11.2016</a:t>
             </a:fld>
             <a:endParaRPr lang="de-DE"/>
           </a:p>
@@ -6768,8 +6774,8 @@
           </a:p>
         </p:txBody>
       </p:sp>
-      <mc:AlternateContent xmlns:mc="http://schemas.openxmlformats.org/markup-compatibility/2006">
-        <mc:Choice xmlns:a14="http://schemas.microsoft.com/office/drawing/2010/main" Requires="a14">
+      <mc:AlternateContent xmlns:mc="http://schemas.openxmlformats.org/markup-compatibility/2006" xmlns:a14="http://schemas.microsoft.com/office/drawing/2010/main">
+        <mc:Choice Requires="a14">
           <p:sp>
             <p:nvSpPr>
               <p:cNvPr id="3" name="Inhaltsplatzhalter 2"/>
@@ -7406,7 +7412,7 @@
             </p:txBody>
           </p:sp>
         </mc:Choice>
-        <mc:Fallback>
+        <mc:Fallback xmlns="">
           <p:sp>
             <p:nvSpPr>
               <p:cNvPr id="3" name="Inhaltsplatzhalter 2"/>
@@ -7457,7 +7463,7 @@
           <a:p>
             <a:fld id="{62A8A28E-B5F5-41EE-B009-8D872471EF33}" type="datetime1">
               <a:rPr lang="de-DE" smtClean="0"/>
-              <a:t>28.10.2016</a:t>
+              <a:t>02.11.2016</a:t>
             </a:fld>
             <a:endParaRPr lang="de-DE"/>
           </a:p>
@@ -7599,8 +7605,8 @@
           </a:p>
         </p:txBody>
       </p:sp>
-      <mc:AlternateContent xmlns:mc="http://schemas.openxmlformats.org/markup-compatibility/2006">
-        <mc:Choice xmlns:a14="http://schemas.microsoft.com/office/drawing/2010/main" Requires="a14">
+      <mc:AlternateContent xmlns:mc="http://schemas.openxmlformats.org/markup-compatibility/2006" xmlns:a14="http://schemas.microsoft.com/office/drawing/2010/main">
+        <mc:Choice Requires="a14">
           <p:sp>
             <p:nvSpPr>
               <p:cNvPr id="3" name="Inhaltsplatzhalter 2"/>
@@ -8171,7 +8177,7 @@
                     <m:f>
                       <m:fPr>
                         <m:ctrlPr>
-                          <a:rPr lang="de-DE" sz="2800" b="0" i="0" smtClean="0">
+                          <a:rPr lang="de-DE" sz="2800" b="0" i="1" smtClean="0">
                             <a:latin typeface="Cambria Math" panose="02040503050406030204" pitchFamily="18" charset="0"/>
                           </a:rPr>
                         </m:ctrlPr>
@@ -8300,7 +8306,7 @@
             </p:txBody>
           </p:sp>
         </mc:Choice>
-        <mc:Fallback>
+        <mc:Fallback xmlns="">
           <p:sp>
             <p:nvSpPr>
               <p:cNvPr id="3" name="Inhaltsplatzhalter 2"/>
@@ -8351,7 +8357,7 @@
           <a:p>
             <a:fld id="{62A8A28E-B5F5-41EE-B009-8D872471EF33}" type="datetime1">
               <a:rPr lang="de-DE" smtClean="0"/>
-              <a:t>28.10.2016</a:t>
+              <a:t>02.11.2016</a:t>
             </a:fld>
             <a:endParaRPr lang="de-DE"/>
           </a:p>
@@ -8551,7 +8557,7 @@
           <a:p>
             <a:fld id="{62A8A28E-B5F5-41EE-B009-8D872471EF33}" type="datetime1">
               <a:rPr lang="de-DE" smtClean="0"/>
-              <a:t>28.10.2016</a:t>
+              <a:t>02.11.2016</a:t>
             </a:fld>
             <a:endParaRPr lang="de-DE"/>
           </a:p>
@@ -8723,8 +8729,8 @@
           </a:p>
         </p:txBody>
       </p:sp>
-      <mc:AlternateContent xmlns:mc="http://schemas.openxmlformats.org/markup-compatibility/2006">
-        <mc:Choice xmlns:a14="http://schemas.microsoft.com/office/drawing/2010/main" Requires="a14">
+      <mc:AlternateContent xmlns:mc="http://schemas.openxmlformats.org/markup-compatibility/2006" xmlns:a14="http://schemas.microsoft.com/office/drawing/2010/main">
+        <mc:Choice Requires="a14">
           <p:sp>
             <p:nvSpPr>
               <p:cNvPr id="3" name="Inhaltsplatzhalter 2"/>
@@ -9889,7 +9895,7 @@
             </p:txBody>
           </p:sp>
         </mc:Choice>
-        <mc:Fallback>
+        <mc:Fallback xmlns="">
           <p:sp>
             <p:nvSpPr>
               <p:cNvPr id="3" name="Inhaltsplatzhalter 2"/>
@@ -9940,7 +9946,7 @@
           <a:p>
             <a:fld id="{62A8A28E-B5F5-41EE-B009-8D872471EF33}" type="datetime1">
               <a:rPr lang="de-DE" smtClean="0"/>
-              <a:t>28.10.2016</a:t>
+              <a:t>02.11.2016</a:t>
             </a:fld>
             <a:endParaRPr lang="de-DE"/>
           </a:p>
@@ -10082,8 +10088,8 @@
           </a:p>
         </p:txBody>
       </p:sp>
-      <mc:AlternateContent xmlns:mc="http://schemas.openxmlformats.org/markup-compatibility/2006">
-        <mc:Choice xmlns:a14="http://schemas.microsoft.com/office/drawing/2010/main" Requires="a14">
+      <mc:AlternateContent xmlns:mc="http://schemas.openxmlformats.org/markup-compatibility/2006" xmlns:a14="http://schemas.microsoft.com/office/drawing/2010/main">
+        <mc:Choice Requires="a14">
           <p:sp>
             <p:nvSpPr>
               <p:cNvPr id="3" name="Inhaltsplatzhalter 2"/>
@@ -10109,126 +10115,10 @@
                 <a:pPr marL="0" indent="0">
                   <a:buNone/>
                 </a:pPr>
-                <a14:m>
-                  <m:oMathPara xmlns:m="http://schemas.openxmlformats.org/officeDocument/2006/math">
-                    <m:oMathParaPr>
-                      <m:jc m:val="centerGroup"/>
-                    </m:oMathParaPr>
-                    <m:oMath xmlns:m="http://schemas.openxmlformats.org/officeDocument/2006/math">
-                      <m:sSubSup>
-                        <m:sSubSupPr>
-                          <m:ctrlPr>
-                            <a:rPr lang="de-DE" sz="2800" b="0" i="1" smtClean="0">
-                              <a:latin typeface="Cambria Math" panose="02040503050406030204" pitchFamily="18" charset="0"/>
-                            </a:rPr>
-                          </m:ctrlPr>
-                        </m:sSubSupPr>
-                        <m:e>
-                          <m:r>
-                            <a:rPr lang="de-DE" sz="2800" i="1">
-                              <a:latin typeface="Cambria Math" panose="02040503050406030204" pitchFamily="18" charset="0"/>
-                            </a:rPr>
-                            <m:t>𝐻</m:t>
-                          </m:r>
-                        </m:e>
-                        <m:sub>
-                          <m:sSub>
-                            <m:sSubPr>
-                              <m:ctrlPr>
-                                <a:rPr lang="de-DE" sz="2800" b="0" i="1" smtClean="0">
-                                  <a:latin typeface="Cambria Math" panose="02040503050406030204" pitchFamily="18" charset="0"/>
-                                </a:rPr>
-                              </m:ctrlPr>
-                            </m:sSubPr>
-                            <m:e>
-                              <m:r>
-                                <a:rPr lang="de-DE" sz="2800" b="0" i="1" smtClean="0">
-                                  <a:latin typeface="Cambria Math" panose="02040503050406030204" pitchFamily="18" charset="0"/>
-                                </a:rPr>
-                                <m:t>ℙ</m:t>
-                              </m:r>
-                            </m:e>
-                            <m:sub>
-                              <m:r>
-                                <a:rPr lang="de-DE" sz="2800" b="0" i="1" smtClean="0">
-                                  <a:latin typeface="Cambria Math" panose="02040503050406030204" pitchFamily="18" charset="0"/>
-                                </a:rPr>
-                                <m:t>1</m:t>
-                              </m:r>
-                            </m:sub>
-                          </m:sSub>
-                        </m:sub>
-                        <m:sup>
-                          <m:r>
-                            <a:rPr lang="de-DE" sz="2800" i="1">
-                              <a:latin typeface="Cambria Math" panose="02040503050406030204" pitchFamily="18" charset="0"/>
-                            </a:rPr>
-                            <m:t>𝑋</m:t>
-                          </m:r>
-                        </m:sup>
-                      </m:sSubSup>
-                      <m:r>
-                        <a:rPr lang="de-DE" sz="2800" b="0" i="1" smtClean="0">
-                          <a:latin typeface="Cambria Math" panose="02040503050406030204" pitchFamily="18" charset="0"/>
-                        </a:rPr>
-                        <m:t>≤</m:t>
-                      </m:r>
-                      <m:sSubSup>
-                        <m:sSubSupPr>
-                          <m:ctrlPr>
-                            <a:rPr lang="de-DE" sz="2800" i="1">
-                              <a:latin typeface="Cambria Math" panose="02040503050406030204" pitchFamily="18" charset="0"/>
-                            </a:rPr>
-                          </m:ctrlPr>
-                        </m:sSubSupPr>
-                        <m:e>
-                          <m:r>
-                            <a:rPr lang="de-DE" sz="2800" i="1">
-                              <a:latin typeface="Cambria Math" panose="02040503050406030204" pitchFamily="18" charset="0"/>
-                            </a:rPr>
-                            <m:t>𝐻</m:t>
-                          </m:r>
-                        </m:e>
-                        <m:sub>
-                          <m:sSub>
-                            <m:sSubPr>
-                              <m:ctrlPr>
-                                <a:rPr lang="de-DE" sz="2800" i="1">
-                                  <a:latin typeface="Cambria Math" panose="02040503050406030204" pitchFamily="18" charset="0"/>
-                                </a:rPr>
-                              </m:ctrlPr>
-                            </m:sSubPr>
-                            <m:e>
-                              <m:r>
-                                <a:rPr lang="de-DE" sz="2800" i="1">
-                                  <a:latin typeface="Cambria Math" panose="02040503050406030204" pitchFamily="18" charset="0"/>
-                                </a:rPr>
-                                <m:t>ℙ</m:t>
-                              </m:r>
-                            </m:e>
-                            <m:sub>
-                              <m:r>
-                                <a:rPr lang="de-DE" sz="2800" b="0" i="1" smtClean="0">
-                                  <a:latin typeface="Cambria Math" panose="02040503050406030204" pitchFamily="18" charset="0"/>
-                                </a:rPr>
-                                <m:t>2</m:t>
-                              </m:r>
-                            </m:sub>
-                          </m:sSub>
-                        </m:sub>
-                        <m:sup>
-                          <m:r>
-                            <a:rPr lang="de-DE" sz="2800" i="1">
-                              <a:latin typeface="Cambria Math" panose="02040503050406030204" pitchFamily="18" charset="0"/>
-                            </a:rPr>
-                            <m:t>𝑋</m:t>
-                          </m:r>
-                        </m:sup>
-                      </m:sSubSup>
-                    </m:oMath>
-                  </m:oMathPara>
-                </a14:m>
-                <a:endParaRPr lang="de-DE" sz="2800" dirty="0" smtClean="0"/>
+                <a:r>
+                  <a:rPr lang="de-DE" sz="2800" dirty="0" smtClean="0"/>
+                  <a:t>Allgemein: </a:t>
+                </a:r>
               </a:p>
               <a:p>
                 <a:pPr marL="0" indent="0">
@@ -10236,6 +10126,49 @@
                 </a:pPr>
                 <a14:m>
                   <m:oMath xmlns:m="http://schemas.openxmlformats.org/officeDocument/2006/math">
+                    <m:sSup>
+                      <m:sSupPr>
+                        <m:ctrlPr>
+                          <a:rPr lang="de-DE" sz="2800" i="1">
+                            <a:latin typeface="Cambria Math" panose="02040503050406030204" pitchFamily="18" charset="0"/>
+                          </a:rPr>
+                        </m:ctrlPr>
+                      </m:sSupPr>
+                      <m:e>
+                        <m:r>
+                          <a:rPr lang="de-DE" sz="2800" i="1">
+                            <a:latin typeface="Cambria Math" panose="02040503050406030204" pitchFamily="18" charset="0"/>
+                          </a:rPr>
+                          <m:t>𝐻</m:t>
+                        </m:r>
+                      </m:e>
+                      <m:sup>
+                        <m:r>
+                          <a:rPr lang="de-DE" sz="2800" i="1">
+                            <a:latin typeface="Cambria Math" panose="02040503050406030204" pitchFamily="18" charset="0"/>
+                          </a:rPr>
+                          <m:t>𝑋</m:t>
+                        </m:r>
+                      </m:sup>
+                    </m:sSup>
+                    <m:r>
+                      <a:rPr lang="de-DE" sz="2800" i="1" smtClean="0">
+                        <a:latin typeface="Cambria Math" panose="02040503050406030204" pitchFamily="18" charset="0"/>
+                      </a:rPr>
+                      <m:t>=</m:t>
+                    </m:r>
+                    <m:r>
+                      <a:rPr lang="de-DE" sz="2800" b="0" i="1" smtClean="0">
+                        <a:latin typeface="Cambria Math" panose="02040503050406030204" pitchFamily="18" charset="0"/>
+                      </a:rPr>
+                      <m:t> </m:t>
+                    </m:r>
+                    <m:r>
+                      <a:rPr lang="de-DE" sz="2800" i="1">
+                        <a:latin typeface="Cambria Math" panose="02040503050406030204" pitchFamily="18" charset="0"/>
+                      </a:rPr>
+                      <m:t>− </m:t>
+                    </m:r>
                     <m:nary>
                       <m:naryPr>
                         <m:chr m:val="∑"/>
@@ -10291,15 +10224,15 @@
                       </m:sub>
                       <m:sup/>
                       <m:e>
-                        <m:sSubSup>
-                          <m:sSubSupPr>
+                        <m:sSup>
+                          <m:sSupPr>
                             <m:ctrlPr>
                               <a:rPr lang="de-DE" sz="2800" i="1">
                                 <a:latin typeface="Cambria Math" panose="02040503050406030204" pitchFamily="18" charset="0"/>
                                 <a:ea typeface="Cambria Math" panose="02040503050406030204" pitchFamily="18" charset="0"/>
                               </a:rPr>
                             </m:ctrlPr>
-                          </m:sSubSupPr>
+                          </m:sSupPr>
                           <m:e>
                             <m:r>
                               <a:rPr lang="de-DE" sz="2800" i="1">
@@ -10309,15 +10242,6 @@
                               <m:t>ℙ</m:t>
                             </m:r>
                           </m:e>
-                          <m:sub>
-                            <m:r>
-                              <a:rPr lang="de-DE" sz="2800" i="1">
-                                <a:latin typeface="Cambria Math" panose="02040503050406030204" pitchFamily="18" charset="0"/>
-                                <a:ea typeface="Cambria Math" panose="02040503050406030204" pitchFamily="18" charset="0"/>
-                              </a:rPr>
-                              <m:t>1</m:t>
-                            </m:r>
-                          </m:sub>
                           <m:sup>
                             <m:r>
                               <a:rPr lang="de-DE" sz="2800" i="1">
@@ -10327,7 +10251,7 @@
                               <m:t>𝑋</m:t>
                             </m:r>
                           </m:sup>
-                        </m:sSubSup>
+                        </m:sSup>
                         <m:d>
                           <m:dPr>
                             <m:ctrlPr>
@@ -10400,15 +10324,15 @@
                                 </m:ctrlPr>
                               </m:dPr>
                               <m:e>
-                                <m:sSubSup>
-                                  <m:sSubSupPr>
+                                <m:sSup>
+                                  <m:sSupPr>
                                     <m:ctrlPr>
                                       <a:rPr lang="de-DE" sz="2800" i="1">
                                         <a:latin typeface="Cambria Math" panose="02040503050406030204" pitchFamily="18" charset="0"/>
                                         <a:ea typeface="Cambria Math" panose="02040503050406030204" pitchFamily="18" charset="0"/>
                                       </a:rPr>
                                     </m:ctrlPr>
-                                  </m:sSubSupPr>
+                                  </m:sSupPr>
                                   <m:e>
                                     <m:r>
                                       <a:rPr lang="de-DE" sz="2800" i="1">
@@ -10418,15 +10342,6 @@
                                       <m:t>ℙ</m:t>
                                     </m:r>
                                   </m:e>
-                                  <m:sub>
-                                    <m:r>
-                                      <a:rPr lang="de-DE" sz="2800" i="1">
-                                        <a:latin typeface="Cambria Math" panose="02040503050406030204" pitchFamily="18" charset="0"/>
-                                        <a:ea typeface="Cambria Math" panose="02040503050406030204" pitchFamily="18" charset="0"/>
-                                      </a:rPr>
-                                      <m:t>1</m:t>
-                                    </m:r>
-                                  </m:sub>
                                   <m:sup>
                                     <m:r>
                                       <a:rPr lang="de-DE" sz="2800" i="1">
@@ -10436,7 +10351,7 @@
                                       <m:t>𝑋</m:t>
                                     </m:r>
                                   </m:sup>
-                                </m:sSubSup>
+                                </m:sSup>
                                 <m:d>
                                   <m:dPr>
                                     <m:ctrlPr>
@@ -10463,11 +10378,11 @@
                       </m:e>
                     </m:nary>
                     <m:r>
-                      <a:rPr lang="de-DE" sz="2800" b="0" i="1" smtClean="0">
+                      <a:rPr lang="de-DE" sz="2800" i="1">
                         <a:latin typeface="Cambria Math" panose="02040503050406030204" pitchFamily="18" charset="0"/>
                         <a:ea typeface="Cambria Math" panose="02040503050406030204" pitchFamily="18" charset="0"/>
                       </a:rPr>
-                      <m:t>≤</m:t>
+                      <m:t>= </m:t>
                     </m:r>
                     <m:nary>
                       <m:naryPr>
@@ -10501,39 +10416,38 @@
                           </a:rPr>
                           <m:t>𝑋</m:t>
                         </m:r>
-                        <m:r>
-                          <a:rPr lang="de-DE" sz="2800" i="1">
-                            <a:latin typeface="Cambria Math" panose="02040503050406030204" pitchFamily="18" charset="0"/>
-                          </a:rPr>
-                          <m:t>(</m:t>
-                        </m:r>
-                        <m:r>
-                          <m:rPr>
-                            <m:sty m:val="p"/>
-                          </m:rPr>
-                          <a:rPr lang="de-DE" sz="2800">
-                            <a:latin typeface="Cambria Math" panose="02040503050406030204" pitchFamily="18" charset="0"/>
-                          </a:rPr>
-                          <m:t>Ω</m:t>
-                        </m:r>
-                        <m:r>
-                          <a:rPr lang="de-DE" sz="2800" i="1">
-                            <a:latin typeface="Cambria Math" panose="02040503050406030204" pitchFamily="18" charset="0"/>
-                          </a:rPr>
-                          <m:t>)</m:t>
-                        </m:r>
+                        <m:d>
+                          <m:dPr>
+                            <m:ctrlPr>
+                              <a:rPr lang="de-DE" sz="2800" i="1">
+                                <a:latin typeface="Cambria Math" panose="02040503050406030204" pitchFamily="18" charset="0"/>
+                              </a:rPr>
+                            </m:ctrlPr>
+                          </m:dPr>
+                          <m:e>
+                            <m:r>
+                              <m:rPr>
+                                <m:sty m:val="p"/>
+                              </m:rPr>
+                              <a:rPr lang="de-DE" sz="2800">
+                                <a:latin typeface="Cambria Math" panose="02040503050406030204" pitchFamily="18" charset="0"/>
+                              </a:rPr>
+                              <m:t>Ω</m:t>
+                            </m:r>
+                          </m:e>
+                        </m:d>
                       </m:sub>
                       <m:sup/>
                       <m:e>
-                        <m:sSubSup>
-                          <m:sSubSupPr>
+                        <m:sSup>
+                          <m:sSupPr>
                             <m:ctrlPr>
                               <a:rPr lang="de-DE" sz="2800" i="1">
                                 <a:latin typeface="Cambria Math" panose="02040503050406030204" pitchFamily="18" charset="0"/>
                                 <a:ea typeface="Cambria Math" panose="02040503050406030204" pitchFamily="18" charset="0"/>
                               </a:rPr>
                             </m:ctrlPr>
-                          </m:sSubSupPr>
+                          </m:sSupPr>
                           <m:e>
                             <m:r>
                               <a:rPr lang="de-DE" sz="2800" i="1">
@@ -10543,15 +10457,6 @@
                               <m:t>ℙ</m:t>
                             </m:r>
                           </m:e>
-                          <m:sub>
-                            <m:r>
-                              <a:rPr lang="de-DE" sz="2800" b="0" i="1" smtClean="0">
-                                <a:latin typeface="Cambria Math" panose="02040503050406030204" pitchFamily="18" charset="0"/>
-                                <a:ea typeface="Cambria Math" panose="02040503050406030204" pitchFamily="18" charset="0"/>
-                              </a:rPr>
-                              <m:t>2</m:t>
-                            </m:r>
-                          </m:sub>
                           <m:sup>
                             <m:r>
                               <a:rPr lang="de-DE" sz="2800" i="1">
@@ -10561,7 +10466,7 @@
                               <m:t>𝑋</m:t>
                             </m:r>
                           </m:sup>
-                        </m:sSubSup>
+                        </m:sSup>
                         <m:d>
                           <m:dPr>
                             <m:ctrlPr>
@@ -10634,43 +10539,203 @@
                                 </m:ctrlPr>
                               </m:dPr>
                               <m:e>
-                                <m:sSubSup>
-                                  <m:sSubSupPr>
+                                <m:f>
+                                  <m:fPr>
                                     <m:ctrlPr>
                                       <a:rPr lang="de-DE" sz="2800" i="1">
                                         <a:latin typeface="Cambria Math" panose="02040503050406030204" pitchFamily="18" charset="0"/>
                                         <a:ea typeface="Cambria Math" panose="02040503050406030204" pitchFamily="18" charset="0"/>
                                       </a:rPr>
                                     </m:ctrlPr>
-                                  </m:sSubSupPr>
-                                  <m:e>
+                                  </m:fPr>
+                                  <m:num>
                                     <m:r>
                                       <a:rPr lang="de-DE" sz="2800" i="1">
                                         <a:latin typeface="Cambria Math" panose="02040503050406030204" pitchFamily="18" charset="0"/>
                                         <a:ea typeface="Cambria Math" panose="02040503050406030204" pitchFamily="18" charset="0"/>
                                       </a:rPr>
-                                      <m:t>ℙ</m:t>
+                                      <m:t>1</m:t>
                                     </m:r>
-                                  </m:e>
-                                  <m:sub>
-                                    <m:r>
-                                      <a:rPr lang="de-DE" sz="2800" b="0" i="1" smtClean="0">
-                                        <a:latin typeface="Cambria Math" panose="02040503050406030204" pitchFamily="18" charset="0"/>
-                                        <a:ea typeface="Cambria Math" panose="02040503050406030204" pitchFamily="18" charset="0"/>
-                                      </a:rPr>
-                                      <m:t>2</m:t>
-                                    </m:r>
-                                  </m:sub>
-                                  <m:sup>
-                                    <m:r>
-                                      <a:rPr lang="de-DE" sz="2800" i="1">
-                                        <a:latin typeface="Cambria Math" panose="02040503050406030204" pitchFamily="18" charset="0"/>
-                                        <a:ea typeface="Cambria Math" panose="02040503050406030204" pitchFamily="18" charset="0"/>
-                                      </a:rPr>
-                                      <m:t>𝑋</m:t>
-                                    </m:r>
-                                  </m:sup>
-                                </m:sSubSup>
+                                  </m:num>
+                                  <m:den>
+                                    <m:sSup>
+                                      <m:sSupPr>
+                                        <m:ctrlPr>
+                                          <a:rPr lang="de-DE" sz="2800" i="1">
+                                            <a:latin typeface="Cambria Math" panose="02040503050406030204" pitchFamily="18" charset="0"/>
+                                            <a:ea typeface="Cambria Math" panose="02040503050406030204" pitchFamily="18" charset="0"/>
+                                          </a:rPr>
+                                        </m:ctrlPr>
+                                      </m:sSupPr>
+                                      <m:e>
+                                        <m:r>
+                                          <a:rPr lang="de-DE" sz="2800" i="1">
+                                            <a:latin typeface="Cambria Math" panose="02040503050406030204" pitchFamily="18" charset="0"/>
+                                            <a:ea typeface="Cambria Math" panose="02040503050406030204" pitchFamily="18" charset="0"/>
+                                          </a:rPr>
+                                          <m:t>ℙ</m:t>
+                                        </m:r>
+                                      </m:e>
+                                      <m:sup>
+                                        <m:r>
+                                          <a:rPr lang="de-DE" sz="2800" i="1">
+                                            <a:latin typeface="Cambria Math" panose="02040503050406030204" pitchFamily="18" charset="0"/>
+                                            <a:ea typeface="Cambria Math" panose="02040503050406030204" pitchFamily="18" charset="0"/>
+                                          </a:rPr>
+                                          <m:t>𝑋</m:t>
+                                        </m:r>
+                                      </m:sup>
+                                    </m:sSup>
+                                    <m:d>
+                                      <m:dPr>
+                                        <m:ctrlPr>
+                                          <a:rPr lang="de-DE" sz="2800" i="1">
+                                            <a:latin typeface="Cambria Math" panose="02040503050406030204" pitchFamily="18" charset="0"/>
+                                            <a:ea typeface="Cambria Math" panose="02040503050406030204" pitchFamily="18" charset="0"/>
+                                          </a:rPr>
+                                        </m:ctrlPr>
+                                      </m:dPr>
+                                      <m:e>
+                                        <m:r>
+                                          <a:rPr lang="de-DE" sz="2800" i="1">
+                                            <a:latin typeface="Cambria Math" panose="02040503050406030204" pitchFamily="18" charset="0"/>
+                                            <a:ea typeface="Cambria Math" panose="02040503050406030204" pitchFamily="18" charset="0"/>
+                                          </a:rPr>
+                                          <m:t>𝑥</m:t>
+                                        </m:r>
+                                      </m:e>
+                                    </m:d>
+                                  </m:den>
+                                </m:f>
+                              </m:e>
+                            </m:d>
+                          </m:e>
+                        </m:func>
+                      </m:e>
+                    </m:nary>
+                  </m:oMath>
+                </a14:m>
+                <a:r>
+                  <a:rPr lang="de-DE" sz="2800" i="1" dirty="0" smtClean="0">
+                    <a:latin typeface="Cambria Math" panose="02040503050406030204" pitchFamily="18" charset="0"/>
+                    <a:ea typeface="Cambria Math" panose="02040503050406030204" pitchFamily="18" charset="0"/>
+                  </a:rPr>
+                  <a:t> </a:t>
+                </a:r>
+                <a:r>
+                  <a:rPr lang="de-DE" sz="2800" i="1" dirty="0">
+                    <a:latin typeface="Cambria Math" panose="02040503050406030204" pitchFamily="18" charset="0"/>
+                    <a:ea typeface="Cambria Math" panose="02040503050406030204" pitchFamily="18" charset="0"/>
+                  </a:rPr>
+                  <a:t/>
+                </a:r>
+                <a:br>
+                  <a:rPr lang="de-DE" sz="2800" i="1" dirty="0">
+                    <a:latin typeface="Cambria Math" panose="02040503050406030204" pitchFamily="18" charset="0"/>
+                    <a:ea typeface="Cambria Math" panose="02040503050406030204" pitchFamily="18" charset="0"/>
+                  </a:rPr>
+                </a:br>
+                <a14:m>
+                  <m:oMath xmlns:m="http://schemas.openxmlformats.org/officeDocument/2006/math">
+                    <m:r>
+                      <a:rPr lang="de-DE" sz="2800" i="1">
+                        <a:solidFill>
+                          <a:srgbClr val="FFFF00"/>
+                        </a:solidFill>
+                        <a:latin typeface="Cambria Math" panose="02040503050406030204" pitchFamily="18" charset="0"/>
+                        <a:ea typeface="Cambria Math" panose="02040503050406030204" pitchFamily="18" charset="0"/>
+                      </a:rPr>
+                      <m:t>≤</m:t>
+                    </m:r>
+                    <m:func>
+                      <m:funcPr>
+                        <m:ctrlPr>
+                          <a:rPr lang="de-DE" sz="2800" i="1">
+                            <a:latin typeface="Cambria Math" panose="02040503050406030204" pitchFamily="18" charset="0"/>
+                            <a:ea typeface="Cambria Math" panose="02040503050406030204" pitchFamily="18" charset="0"/>
+                          </a:rPr>
+                        </m:ctrlPr>
+                      </m:funcPr>
+                      <m:fName>
+                        <m:sSub>
+                          <m:sSubPr>
+                            <m:ctrlPr>
+                              <a:rPr lang="de-DE" sz="2800" i="1">
+                                <a:latin typeface="Cambria Math" panose="02040503050406030204" pitchFamily="18" charset="0"/>
+                                <a:ea typeface="Cambria Math" panose="02040503050406030204" pitchFamily="18" charset="0"/>
+                              </a:rPr>
+                            </m:ctrlPr>
+                          </m:sSubPr>
+                          <m:e>
+                            <m:r>
+                              <m:rPr>
+                                <m:sty m:val="p"/>
+                              </m:rPr>
+                              <a:rPr lang="de-DE" sz="2800">
+                                <a:latin typeface="Cambria Math" panose="02040503050406030204" pitchFamily="18" charset="0"/>
+                                <a:ea typeface="Cambria Math" panose="02040503050406030204" pitchFamily="18" charset="0"/>
+                              </a:rPr>
+                              <m:t>log</m:t>
+                            </m:r>
+                          </m:e>
+                          <m:sub>
+                            <m:r>
+                              <a:rPr lang="de-DE" sz="2800" i="1">
+                                <a:latin typeface="Cambria Math" panose="02040503050406030204" pitchFamily="18" charset="0"/>
+                                <a:ea typeface="Cambria Math" panose="02040503050406030204" pitchFamily="18" charset="0"/>
+                              </a:rPr>
+                              <m:t>2</m:t>
+                            </m:r>
+                          </m:sub>
+                        </m:sSub>
+                      </m:fName>
+                      <m:e>
+                        <m:d>
+                          <m:dPr>
+                            <m:ctrlPr>
+                              <a:rPr lang="de-DE" sz="2800" i="1">
+                                <a:latin typeface="Cambria Math" panose="02040503050406030204" pitchFamily="18" charset="0"/>
+                                <a:ea typeface="Cambria Math" panose="02040503050406030204" pitchFamily="18" charset="0"/>
+                              </a:rPr>
+                            </m:ctrlPr>
+                          </m:dPr>
+                          <m:e>
+                            <m:nary>
+                              <m:naryPr>
+                                <m:chr m:val="∑"/>
+                                <m:supHide m:val="on"/>
+                                <m:ctrlPr>
+                                  <a:rPr lang="de-DE" sz="2800" i="1">
+                                    <a:latin typeface="Cambria Math" panose="02040503050406030204" pitchFamily="18" charset="0"/>
+                                    <a:ea typeface="Cambria Math" panose="02040503050406030204" pitchFamily="18" charset="0"/>
+                                  </a:rPr>
+                                </m:ctrlPr>
+                              </m:naryPr>
+                              <m:sub>
+                                <m:r>
+                                  <m:rPr>
+                                    <m:brk m:alnAt="7"/>
+                                  </m:rPr>
+                                  <a:rPr lang="de-DE" sz="2800" i="1">
+                                    <a:latin typeface="Cambria Math" panose="02040503050406030204" pitchFamily="18" charset="0"/>
+                                    <a:ea typeface="Cambria Math" panose="02040503050406030204" pitchFamily="18" charset="0"/>
+                                  </a:rPr>
+                                  <m:t>𝑥</m:t>
+                                </m:r>
+                                <m:r>
+                                  <a:rPr lang="de-DE" sz="2800" i="1">
+                                    <a:latin typeface="Cambria Math" panose="02040503050406030204" pitchFamily="18" charset="0"/>
+                                    <a:ea typeface="Cambria Math" panose="02040503050406030204" pitchFamily="18" charset="0"/>
+                                  </a:rPr>
+                                  <m:t>∈</m:t>
+                                </m:r>
+                                <m:r>
+                                  <a:rPr lang="de-DE" sz="2800" i="1">
+                                    <a:latin typeface="Cambria Math" panose="02040503050406030204" pitchFamily="18" charset="0"/>
+                                    <a:ea typeface="Cambria Math" panose="02040503050406030204" pitchFamily="18" charset="0"/>
+                                  </a:rPr>
+                                  <m:t>𝑋</m:t>
+                                </m:r>
                                 <m:d>
                                   <m:dPr>
                                     <m:ctrlPr>
@@ -10682,27 +10747,367 @@
                                   </m:dPr>
                                   <m:e>
                                     <m:r>
+                                      <m:rPr>
+                                        <m:sty m:val="p"/>
+                                      </m:rPr>
+                                      <a:rPr lang="de-DE" sz="2800">
+                                        <a:latin typeface="Cambria Math" panose="02040503050406030204" pitchFamily="18" charset="0"/>
+                                        <a:ea typeface="Cambria Math" panose="02040503050406030204" pitchFamily="18" charset="0"/>
+                                      </a:rPr>
+                                      <m:t>Ω</m:t>
+                                    </m:r>
+                                  </m:e>
+                                </m:d>
+                              </m:sub>
+                              <m:sup/>
+                              <m:e>
+                                <m:f>
+                                  <m:fPr>
+                                    <m:ctrlPr>
                                       <a:rPr lang="de-DE" sz="2800" i="1">
                                         <a:latin typeface="Cambria Math" panose="02040503050406030204" pitchFamily="18" charset="0"/>
                                         <a:ea typeface="Cambria Math" panose="02040503050406030204" pitchFamily="18" charset="0"/>
                                       </a:rPr>
-                                      <m:t>𝑥</m:t>
+                                    </m:ctrlPr>
+                                  </m:fPr>
+                                  <m:num>
+                                    <m:sSup>
+                                      <m:sSupPr>
+                                        <m:ctrlPr>
+                                          <a:rPr lang="de-DE" sz="2800" i="1">
+                                            <a:latin typeface="Cambria Math" panose="02040503050406030204" pitchFamily="18" charset="0"/>
+                                            <a:ea typeface="Cambria Math" panose="02040503050406030204" pitchFamily="18" charset="0"/>
+                                          </a:rPr>
+                                        </m:ctrlPr>
+                                      </m:sSupPr>
+                                      <m:e>
+                                        <m:r>
+                                          <a:rPr lang="de-DE" sz="2800" i="1">
+                                            <a:latin typeface="Cambria Math" panose="02040503050406030204" pitchFamily="18" charset="0"/>
+                                            <a:ea typeface="Cambria Math" panose="02040503050406030204" pitchFamily="18" charset="0"/>
+                                          </a:rPr>
+                                          <m:t>ℙ</m:t>
+                                        </m:r>
+                                      </m:e>
+                                      <m:sup>
+                                        <m:r>
+                                          <a:rPr lang="de-DE" sz="2800" i="1">
+                                            <a:latin typeface="Cambria Math" panose="02040503050406030204" pitchFamily="18" charset="0"/>
+                                            <a:ea typeface="Cambria Math" panose="02040503050406030204" pitchFamily="18" charset="0"/>
+                                          </a:rPr>
+                                          <m:t>𝑋</m:t>
+                                        </m:r>
+                                      </m:sup>
+                                    </m:sSup>
+                                    <m:d>
+                                      <m:dPr>
+                                        <m:ctrlPr>
+                                          <a:rPr lang="de-DE" sz="2800" i="1">
+                                            <a:latin typeface="Cambria Math" panose="02040503050406030204" pitchFamily="18" charset="0"/>
+                                            <a:ea typeface="Cambria Math" panose="02040503050406030204" pitchFamily="18" charset="0"/>
+                                          </a:rPr>
+                                        </m:ctrlPr>
+                                      </m:dPr>
+                                      <m:e>
+                                        <m:r>
+                                          <a:rPr lang="de-DE" sz="2800" i="1">
+                                            <a:latin typeface="Cambria Math" panose="02040503050406030204" pitchFamily="18" charset="0"/>
+                                            <a:ea typeface="Cambria Math" panose="02040503050406030204" pitchFamily="18" charset="0"/>
+                                          </a:rPr>
+                                          <m:t>𝑥</m:t>
+                                        </m:r>
+                                      </m:e>
+                                    </m:d>
+                                  </m:num>
+                                  <m:den>
+                                    <m:sSup>
+                                      <m:sSupPr>
+                                        <m:ctrlPr>
+                                          <a:rPr lang="de-DE" sz="2800" i="1">
+                                            <a:latin typeface="Cambria Math" panose="02040503050406030204" pitchFamily="18" charset="0"/>
+                                            <a:ea typeface="Cambria Math" panose="02040503050406030204" pitchFamily="18" charset="0"/>
+                                          </a:rPr>
+                                        </m:ctrlPr>
+                                      </m:sSupPr>
+                                      <m:e>
+                                        <m:r>
+                                          <a:rPr lang="de-DE" sz="2800" i="1">
+                                            <a:latin typeface="Cambria Math" panose="02040503050406030204" pitchFamily="18" charset="0"/>
+                                            <a:ea typeface="Cambria Math" panose="02040503050406030204" pitchFamily="18" charset="0"/>
+                                          </a:rPr>
+                                          <m:t>ℙ</m:t>
+                                        </m:r>
+                                      </m:e>
+                                      <m:sup>
+                                        <m:r>
+                                          <a:rPr lang="de-DE" sz="2800" i="1">
+                                            <a:latin typeface="Cambria Math" panose="02040503050406030204" pitchFamily="18" charset="0"/>
+                                            <a:ea typeface="Cambria Math" panose="02040503050406030204" pitchFamily="18" charset="0"/>
+                                          </a:rPr>
+                                          <m:t>𝑋</m:t>
+                                        </m:r>
+                                      </m:sup>
+                                    </m:sSup>
+                                    <m:d>
+                                      <m:dPr>
+                                        <m:ctrlPr>
+                                          <a:rPr lang="de-DE" sz="2800" i="1">
+                                            <a:latin typeface="Cambria Math" panose="02040503050406030204" pitchFamily="18" charset="0"/>
+                                            <a:ea typeface="Cambria Math" panose="02040503050406030204" pitchFamily="18" charset="0"/>
+                                          </a:rPr>
+                                        </m:ctrlPr>
+                                      </m:dPr>
+                                      <m:e>
+                                        <m:r>
+                                          <a:rPr lang="de-DE" sz="2800" i="1">
+                                            <a:latin typeface="Cambria Math" panose="02040503050406030204" pitchFamily="18" charset="0"/>
+                                            <a:ea typeface="Cambria Math" panose="02040503050406030204" pitchFamily="18" charset="0"/>
+                                          </a:rPr>
+                                          <m:t>𝑥</m:t>
+                                        </m:r>
+                                      </m:e>
+                                    </m:d>
+                                  </m:den>
+                                </m:f>
+                              </m:e>
+                            </m:nary>
+                          </m:e>
+                        </m:d>
+                      </m:e>
+                    </m:func>
+                    <m:r>
+                      <a:rPr lang="de-DE" sz="2800" i="1">
+                        <a:latin typeface="Cambria Math" panose="02040503050406030204" pitchFamily="18" charset="0"/>
+                        <a:ea typeface="Cambria Math" panose="02040503050406030204" pitchFamily="18" charset="0"/>
+                      </a:rPr>
+                      <m:t> </m:t>
+                    </m:r>
+                  </m:oMath>
+                </a14:m>
+                <a:r>
+                  <a:rPr lang="de-DE" sz="2800" dirty="0"/>
+                  <a:t>= </a:t>
+                </a:r>
+                <a14:m>
+                  <m:oMath xmlns:m="http://schemas.openxmlformats.org/officeDocument/2006/math">
+                    <m:func>
+                      <m:funcPr>
+                        <m:ctrlPr>
+                          <a:rPr lang="de-DE" sz="2800" i="1">
+                            <a:latin typeface="Cambria Math" panose="02040503050406030204" pitchFamily="18" charset="0"/>
+                            <a:ea typeface="Cambria Math" panose="02040503050406030204" pitchFamily="18" charset="0"/>
+                          </a:rPr>
+                        </m:ctrlPr>
+                      </m:funcPr>
+                      <m:fName>
+                        <m:sSub>
+                          <m:sSubPr>
+                            <m:ctrlPr>
+                              <a:rPr lang="de-DE" sz="2800" i="1">
+                                <a:latin typeface="Cambria Math" panose="02040503050406030204" pitchFamily="18" charset="0"/>
+                                <a:ea typeface="Cambria Math" panose="02040503050406030204" pitchFamily="18" charset="0"/>
+                              </a:rPr>
+                            </m:ctrlPr>
+                          </m:sSubPr>
+                          <m:e>
+                            <m:r>
+                              <m:rPr>
+                                <m:sty m:val="p"/>
+                              </m:rPr>
+                              <a:rPr lang="de-DE" sz="2800">
+                                <a:latin typeface="Cambria Math" panose="02040503050406030204" pitchFamily="18" charset="0"/>
+                                <a:ea typeface="Cambria Math" panose="02040503050406030204" pitchFamily="18" charset="0"/>
+                              </a:rPr>
+                              <m:t>log</m:t>
+                            </m:r>
+                          </m:e>
+                          <m:sub>
+                            <m:r>
+                              <a:rPr lang="de-DE" sz="2800" i="1">
+                                <a:latin typeface="Cambria Math" panose="02040503050406030204" pitchFamily="18" charset="0"/>
+                                <a:ea typeface="Cambria Math" panose="02040503050406030204" pitchFamily="18" charset="0"/>
+                              </a:rPr>
+                              <m:t>2</m:t>
+                            </m:r>
+                          </m:sub>
+                        </m:sSub>
+                      </m:fName>
+                      <m:e>
+                        <m:d>
+                          <m:dPr>
+                            <m:ctrlPr>
+                              <a:rPr lang="de-DE" sz="2800" i="1">
+                                <a:latin typeface="Cambria Math" panose="02040503050406030204" pitchFamily="18" charset="0"/>
+                                <a:ea typeface="Cambria Math" panose="02040503050406030204" pitchFamily="18" charset="0"/>
+                              </a:rPr>
+                            </m:ctrlPr>
+                          </m:dPr>
+                          <m:e>
+                            <m:nary>
+                              <m:naryPr>
+                                <m:chr m:val="∑"/>
+                                <m:supHide m:val="on"/>
+                                <m:ctrlPr>
+                                  <a:rPr lang="de-DE" sz="2800" i="1">
+                                    <a:latin typeface="Cambria Math" panose="02040503050406030204" pitchFamily="18" charset="0"/>
+                                    <a:ea typeface="Cambria Math" panose="02040503050406030204" pitchFamily="18" charset="0"/>
+                                  </a:rPr>
+                                </m:ctrlPr>
+                              </m:naryPr>
+                              <m:sub>
+                                <m:r>
+                                  <m:rPr>
+                                    <m:brk m:alnAt="7"/>
+                                  </m:rPr>
+                                  <a:rPr lang="de-DE" sz="2800" i="1">
+                                    <a:latin typeface="Cambria Math" panose="02040503050406030204" pitchFamily="18" charset="0"/>
+                                    <a:ea typeface="Cambria Math" panose="02040503050406030204" pitchFamily="18" charset="0"/>
+                                  </a:rPr>
+                                  <m:t>𝑥</m:t>
+                                </m:r>
+                                <m:r>
+                                  <a:rPr lang="de-DE" sz="2800" i="1">
+                                    <a:latin typeface="Cambria Math" panose="02040503050406030204" pitchFamily="18" charset="0"/>
+                                    <a:ea typeface="Cambria Math" panose="02040503050406030204" pitchFamily="18" charset="0"/>
+                                  </a:rPr>
+                                  <m:t>∈</m:t>
+                                </m:r>
+                                <m:r>
+                                  <a:rPr lang="de-DE" sz="2800" i="1">
+                                    <a:latin typeface="Cambria Math" panose="02040503050406030204" pitchFamily="18" charset="0"/>
+                                    <a:ea typeface="Cambria Math" panose="02040503050406030204" pitchFamily="18" charset="0"/>
+                                  </a:rPr>
+                                  <m:t>𝑋</m:t>
+                                </m:r>
+                                <m:d>
+                                  <m:dPr>
+                                    <m:ctrlPr>
+                                      <a:rPr lang="de-DE" sz="2800" i="1">
+                                        <a:latin typeface="Cambria Math" panose="02040503050406030204" pitchFamily="18" charset="0"/>
+                                        <a:ea typeface="Cambria Math" panose="02040503050406030204" pitchFamily="18" charset="0"/>
+                                      </a:rPr>
+                                    </m:ctrlPr>
+                                  </m:dPr>
+                                  <m:e>
+                                    <m:r>
+                                      <m:rPr>
+                                        <m:sty m:val="p"/>
+                                      </m:rPr>
+                                      <a:rPr lang="de-DE" sz="2800">
+                                        <a:latin typeface="Cambria Math" panose="02040503050406030204" pitchFamily="18" charset="0"/>
+                                        <a:ea typeface="Cambria Math" panose="02040503050406030204" pitchFamily="18" charset="0"/>
+                                      </a:rPr>
+                                      <m:t>Ω</m:t>
                                     </m:r>
                                   </m:e>
                                 </m:d>
+                              </m:sub>
+                              <m:sup/>
+                              <m:e>
+                                <m:r>
+                                  <a:rPr lang="de-DE" sz="2800" i="1">
+                                    <a:latin typeface="Cambria Math" panose="02040503050406030204" pitchFamily="18" charset="0"/>
+                                    <a:ea typeface="Cambria Math" panose="02040503050406030204" pitchFamily="18" charset="0"/>
+                                  </a:rPr>
+                                  <m:t>1</m:t>
+                                </m:r>
+                              </m:e>
+                            </m:nary>
+                          </m:e>
+                        </m:d>
+                      </m:e>
+                    </m:func>
+                    <m:r>
+                      <a:rPr lang="de-DE" sz="2800" i="1">
+                        <a:latin typeface="Cambria Math" panose="02040503050406030204" pitchFamily="18" charset="0"/>
+                        <a:ea typeface="Cambria Math" panose="02040503050406030204" pitchFamily="18" charset="0"/>
+                      </a:rPr>
+                      <m:t>=</m:t>
+                    </m:r>
+                    <m:func>
+                      <m:funcPr>
+                        <m:ctrlPr>
+                          <a:rPr lang="de-DE" sz="2800" i="1">
+                            <a:latin typeface="Cambria Math" panose="02040503050406030204" pitchFamily="18" charset="0"/>
+                            <a:ea typeface="Cambria Math" panose="02040503050406030204" pitchFamily="18" charset="0"/>
+                          </a:rPr>
+                        </m:ctrlPr>
+                      </m:funcPr>
+                      <m:fName>
+                        <m:sSub>
+                          <m:sSubPr>
+                            <m:ctrlPr>
+                              <a:rPr lang="de-DE" sz="2800" i="1">
+                                <a:latin typeface="Cambria Math" panose="02040503050406030204" pitchFamily="18" charset="0"/>
+                                <a:ea typeface="Cambria Math" panose="02040503050406030204" pitchFamily="18" charset="0"/>
+                              </a:rPr>
+                            </m:ctrlPr>
+                          </m:sSubPr>
+                          <m:e>
+                            <m:r>
+                              <m:rPr>
+                                <m:sty m:val="p"/>
+                              </m:rPr>
+                              <a:rPr lang="de-DE" sz="2800">
+                                <a:latin typeface="Cambria Math" panose="02040503050406030204" pitchFamily="18" charset="0"/>
+                                <a:ea typeface="Cambria Math" panose="02040503050406030204" pitchFamily="18" charset="0"/>
+                              </a:rPr>
+                              <m:t>log</m:t>
+                            </m:r>
+                          </m:e>
+                          <m:sub>
+                            <m:r>
+                              <a:rPr lang="de-DE" sz="2800" i="1">
+                                <a:latin typeface="Cambria Math" panose="02040503050406030204" pitchFamily="18" charset="0"/>
+                                <a:ea typeface="Cambria Math" panose="02040503050406030204" pitchFamily="18" charset="0"/>
+                              </a:rPr>
+                              <m:t>2</m:t>
+                            </m:r>
+                          </m:sub>
+                        </m:sSub>
+                      </m:fName>
+                      <m:e>
+                        <m:d>
+                          <m:dPr>
+                            <m:ctrlPr>
+                              <a:rPr lang="de-DE" sz="2800" i="1">
+                                <a:latin typeface="Cambria Math" panose="02040503050406030204" pitchFamily="18" charset="0"/>
+                                <a:ea typeface="Cambria Math" panose="02040503050406030204" pitchFamily="18" charset="0"/>
+                              </a:rPr>
+                            </m:ctrlPr>
+                          </m:dPr>
+                          <m:e>
+                            <m:d>
+                              <m:dPr>
+                                <m:begChr m:val="|"/>
+                                <m:endChr m:val="|"/>
+                                <m:ctrlPr>
+                                  <a:rPr lang="de-DE" sz="2800" i="1">
+                                    <a:latin typeface="Cambria Math" panose="02040503050406030204" pitchFamily="18" charset="0"/>
+                                    <a:ea typeface="Cambria Math" panose="02040503050406030204" pitchFamily="18" charset="0"/>
+                                  </a:rPr>
+                                </m:ctrlPr>
+                              </m:dPr>
+                              <m:e>
+                                <m:r>
+                                  <m:rPr>
+                                    <m:sty m:val="p"/>
+                                  </m:rPr>
+                                  <a:rPr lang="de-DE" sz="2800">
+                                    <a:latin typeface="Cambria Math" panose="02040503050406030204" pitchFamily="18" charset="0"/>
+                                    <a:ea typeface="Cambria Math" panose="02040503050406030204" pitchFamily="18" charset="0"/>
+                                  </a:rPr>
+                                  <m:t>Ω</m:t>
+                                </m:r>
                               </m:e>
                             </m:d>
                           </m:e>
-                        </m:func>
+                        </m:d>
                       </m:e>
-                    </m:nary>
+                    </m:func>
                   </m:oMath>
                 </a14:m>
-                <a:r>
-                  <a:rPr lang="de-DE" sz="2800" dirty="0" smtClean="0"/>
-                  <a:t> </a:t>
-                </a:r>
-                <a:endParaRPr lang="de-DE" sz="2800" dirty="0"/>
+                <a:endParaRPr lang="de-DE" sz="2800" dirty="0" smtClean="0"/>
               </a:p>
               <a:p>
                 <a:pPr marL="0" indent="0">
@@ -10714,6 +11119,1714 @@
                 <a:pPr marL="0" indent="0">
                   <a:buNone/>
                 </a:pPr>
+                <a:r>
+                  <a:rPr lang="de-DE" sz="2800" dirty="0" smtClean="0"/>
+                  <a:t>=&gt;</a:t>
+                </a:r>
+                <a14:m>
+                  <m:oMath xmlns:m="http://schemas.openxmlformats.org/officeDocument/2006/math">
+                    <m:sSup>
+                      <m:sSupPr>
+                        <m:ctrlPr>
+                          <a:rPr lang="de-DE" sz="2800" i="1">
+                            <a:latin typeface="Cambria Math" panose="02040503050406030204" pitchFamily="18" charset="0"/>
+                          </a:rPr>
+                        </m:ctrlPr>
+                      </m:sSupPr>
+                      <m:e>
+                        <m:r>
+                          <a:rPr lang="de-DE" sz="2800" i="1">
+                            <a:latin typeface="Cambria Math" panose="02040503050406030204" pitchFamily="18" charset="0"/>
+                          </a:rPr>
+                          <m:t>𝐻</m:t>
+                        </m:r>
+                      </m:e>
+                      <m:sup>
+                        <m:r>
+                          <a:rPr lang="de-DE" sz="2800" i="1">
+                            <a:latin typeface="Cambria Math" panose="02040503050406030204" pitchFamily="18" charset="0"/>
+                          </a:rPr>
+                          <m:t>𝑋</m:t>
+                        </m:r>
+                      </m:sup>
+                    </m:sSup>
+                    <m:r>
+                      <a:rPr lang="de-DE" sz="2800" b="0" i="1" smtClean="0">
+                        <a:latin typeface="Cambria Math" panose="02040503050406030204" pitchFamily="18" charset="0"/>
+                      </a:rPr>
+                      <m:t>≤ </m:t>
+                    </m:r>
+                    <m:func>
+                      <m:funcPr>
+                        <m:ctrlPr>
+                          <a:rPr lang="de-DE" sz="2800" i="1">
+                            <a:latin typeface="Cambria Math" panose="02040503050406030204" pitchFamily="18" charset="0"/>
+                            <a:ea typeface="Cambria Math" panose="02040503050406030204" pitchFamily="18" charset="0"/>
+                          </a:rPr>
+                        </m:ctrlPr>
+                      </m:funcPr>
+                      <m:fName>
+                        <m:sSub>
+                          <m:sSubPr>
+                            <m:ctrlPr>
+                              <a:rPr lang="de-DE" sz="2800" i="1">
+                                <a:latin typeface="Cambria Math" panose="02040503050406030204" pitchFamily="18" charset="0"/>
+                                <a:ea typeface="Cambria Math" panose="02040503050406030204" pitchFamily="18" charset="0"/>
+                              </a:rPr>
+                            </m:ctrlPr>
+                          </m:sSubPr>
+                          <m:e>
+                            <m:r>
+                              <m:rPr>
+                                <m:sty m:val="p"/>
+                              </m:rPr>
+                              <a:rPr lang="de-DE" sz="2800">
+                                <a:latin typeface="Cambria Math" panose="02040503050406030204" pitchFamily="18" charset="0"/>
+                                <a:ea typeface="Cambria Math" panose="02040503050406030204" pitchFamily="18" charset="0"/>
+                              </a:rPr>
+                              <m:t>log</m:t>
+                            </m:r>
+                          </m:e>
+                          <m:sub>
+                            <m:r>
+                              <a:rPr lang="de-DE" sz="2800" i="1">
+                                <a:latin typeface="Cambria Math" panose="02040503050406030204" pitchFamily="18" charset="0"/>
+                                <a:ea typeface="Cambria Math" panose="02040503050406030204" pitchFamily="18" charset="0"/>
+                              </a:rPr>
+                              <m:t>2</m:t>
+                            </m:r>
+                          </m:sub>
+                        </m:sSub>
+                      </m:fName>
+                      <m:e>
+                        <m:d>
+                          <m:dPr>
+                            <m:ctrlPr>
+                              <a:rPr lang="de-DE" sz="2800" i="1">
+                                <a:latin typeface="Cambria Math" panose="02040503050406030204" pitchFamily="18" charset="0"/>
+                                <a:ea typeface="Cambria Math" panose="02040503050406030204" pitchFamily="18" charset="0"/>
+                              </a:rPr>
+                            </m:ctrlPr>
+                          </m:dPr>
+                          <m:e>
+                            <m:d>
+                              <m:dPr>
+                                <m:begChr m:val="|"/>
+                                <m:endChr m:val="|"/>
+                                <m:ctrlPr>
+                                  <a:rPr lang="de-DE" sz="2800" i="1">
+                                    <a:latin typeface="Cambria Math" panose="02040503050406030204" pitchFamily="18" charset="0"/>
+                                    <a:ea typeface="Cambria Math" panose="02040503050406030204" pitchFamily="18" charset="0"/>
+                                  </a:rPr>
+                                </m:ctrlPr>
+                              </m:dPr>
+                              <m:e>
+                                <m:r>
+                                  <m:rPr>
+                                    <m:sty m:val="p"/>
+                                  </m:rPr>
+                                  <a:rPr lang="de-DE" sz="2800">
+                                    <a:latin typeface="Cambria Math" panose="02040503050406030204" pitchFamily="18" charset="0"/>
+                                    <a:ea typeface="Cambria Math" panose="02040503050406030204" pitchFamily="18" charset="0"/>
+                                  </a:rPr>
+                                  <m:t>Ω</m:t>
+                                </m:r>
+                              </m:e>
+                            </m:d>
+                          </m:e>
+                        </m:d>
+                      </m:e>
+                    </m:func>
+                  </m:oMath>
+                </a14:m>
+                <a:r>
+                  <a:rPr lang="de-DE" sz="2800" dirty="0" smtClean="0"/>
+                  <a:t> („</a:t>
+                </a:r>
+                <a:r>
+                  <a:rPr lang="de-DE" sz="2800" smtClean="0"/>
+                  <a:t>obere Schranke“)</a:t>
+                </a:r>
+                <a:endParaRPr lang="de-DE" sz="2800" dirty="0"/>
+              </a:p>
+            </p:txBody>
+          </p:sp>
+        </mc:Choice>
+        <mc:Fallback xmlns="">
+          <p:sp>
+            <p:nvSpPr>
+              <p:cNvPr id="3" name="Inhaltsplatzhalter 2"/>
+              <p:cNvSpPr>
+                <a:spLocks noGrp="1" noRot="1" noChangeAspect="1" noMove="1" noResize="1" noEditPoints="1" noAdjustHandles="1" noChangeArrowheads="1" noChangeShapeType="1" noTextEdit="1"/>
+              </p:cNvSpPr>
+              <p:nvPr>
+                <p:ph idx="1"/>
+              </p:nvPr>
+            </p:nvSpPr>
+            <p:spPr>
+              <a:xfrm>
+                <a:off x="646112" y="1447800"/>
+                <a:ext cx="9403742" cy="4800599"/>
+              </a:xfrm>
+              <a:blipFill rotWithShape="0">
+                <a:blip r:embed="rId2"/>
+                <a:stretch>
+                  <a:fillRect l="-1361" t="-2160"/>
+                </a:stretch>
+              </a:blipFill>
+            </p:spPr>
+            <p:txBody>
+              <a:bodyPr/>
+              <a:lstStyle/>
+              <a:p>
+                <a:r>
+                  <a:rPr lang="de-DE">
+                    <a:noFill/>
+                  </a:rPr>
+                  <a:t> </a:t>
+                </a:r>
+              </a:p>
+            </p:txBody>
+          </p:sp>
+        </mc:Fallback>
+      </mc:AlternateContent>
+      <p:sp>
+        <p:nvSpPr>
+          <p:cNvPr id="4" name="Datumsplatzhalter 3"/>
+          <p:cNvSpPr>
+            <a:spLocks noGrp="1"/>
+          </p:cNvSpPr>
+          <p:nvPr>
+            <p:ph type="dt" sz="half" idx="10"/>
+          </p:nvPr>
+        </p:nvSpPr>
+        <p:spPr/>
+        <p:txBody>
+          <a:bodyPr/>
+          <a:lstStyle/>
+          <a:p>
+            <a:fld id="{62A8A28E-B5F5-41EE-B009-8D872471EF33}" type="datetime1">
+              <a:rPr lang="de-DE" smtClean="0"/>
+              <a:t>02.11.2016</a:t>
+            </a:fld>
+            <a:endParaRPr lang="de-DE"/>
+          </a:p>
+        </p:txBody>
+      </p:sp>
+      <p:sp>
+        <p:nvSpPr>
+          <p:cNvPr id="5" name="Fußzeilenplatzhalter 4"/>
+          <p:cNvSpPr>
+            <a:spLocks noGrp="1"/>
+          </p:cNvSpPr>
+          <p:nvPr>
+            <p:ph type="ftr" sz="quarter" idx="11"/>
+          </p:nvPr>
+        </p:nvSpPr>
+        <p:spPr/>
+        <p:txBody>
+          <a:bodyPr/>
+          <a:lstStyle/>
+          <a:p>
+            <a:r>
+              <a:rPr lang="de-DE" dirty="0" smtClean="0"/>
+              <a:t>Gruppe 3</a:t>
+            </a:r>
+            <a:br>
+              <a:rPr lang="de-DE" dirty="0" smtClean="0"/>
+            </a:br>
+            <a:r>
+              <a:rPr lang="de-DE" dirty="0" smtClean="0"/>
+              <a:t>(Martin </a:t>
+            </a:r>
+            <a:r>
+              <a:rPr lang="de-DE" dirty="0" err="1" smtClean="0"/>
+              <a:t>Schörner</a:t>
+            </a:r>
+            <a:r>
+              <a:rPr lang="de-DE" dirty="0" smtClean="0"/>
+              <a:t>,</a:t>
+            </a:r>
+            <a:br>
+              <a:rPr lang="de-DE" dirty="0" smtClean="0"/>
+            </a:br>
+            <a:r>
+              <a:rPr lang="de-DE" dirty="0" smtClean="0"/>
+              <a:t>Matthias </a:t>
+            </a:r>
+            <a:r>
+              <a:rPr lang="de-DE" dirty="0" err="1" smtClean="0"/>
+              <a:t>Gröbner</a:t>
+            </a:r>
+            <a:r>
+              <a:rPr lang="de-DE" dirty="0" smtClean="0"/>
+              <a:t>,</a:t>
+            </a:r>
+            <a:br>
+              <a:rPr lang="de-DE" dirty="0" smtClean="0"/>
+            </a:br>
+            <a:r>
+              <a:rPr lang="de-DE" dirty="0" smtClean="0"/>
+              <a:t>David Winter)</a:t>
+            </a:r>
+            <a:endParaRPr lang="de-DE" dirty="0"/>
+          </a:p>
+        </p:txBody>
+      </p:sp>
+      <p:sp>
+        <p:nvSpPr>
+          <p:cNvPr id="6" name="Foliennummernplatzhalter 5"/>
+          <p:cNvSpPr>
+            <a:spLocks noGrp="1"/>
+          </p:cNvSpPr>
+          <p:nvPr>
+            <p:ph type="sldNum" sz="quarter" idx="12"/>
+          </p:nvPr>
+        </p:nvSpPr>
+        <p:spPr/>
+        <p:txBody>
+          <a:bodyPr/>
+          <a:lstStyle/>
+          <a:p>
+            <a:fld id="{5C65B871-89DE-4E08-A5A0-E5FD7EC4AD4D}" type="slidenum">
+              <a:rPr lang="de-DE" smtClean="0"/>
+              <a:t>6</a:t>
+            </a:fld>
+            <a:endParaRPr lang="de-DE" dirty="0"/>
+          </a:p>
+        </p:txBody>
+      </p:sp>
+    </p:spTree>
+    <p:extLst>
+      <p:ext uri="{BB962C8B-B14F-4D97-AF65-F5344CB8AC3E}">
+        <p14:creationId xmlns:p14="http://schemas.microsoft.com/office/powerpoint/2010/main" val="4103519630"/>
+      </p:ext>
+    </p:extLst>
+  </p:cSld>
+  <p:clrMapOvr>
+    <a:masterClrMapping/>
+  </p:clrMapOvr>
+</p:sld>
+</file>
+
+<file path=ppt/slides/slide7.xml><?xml version="1.0" encoding="utf-8"?>
+<p:sld xmlns:a="http://schemas.openxmlformats.org/drawingml/2006/main" xmlns:r="http://schemas.openxmlformats.org/officeDocument/2006/relationships" xmlns:p="http://schemas.openxmlformats.org/presentationml/2006/main">
+  <p:cSld>
+    <p:spTree>
+      <p:nvGrpSpPr>
+        <p:cNvPr id="1" name=""/>
+        <p:cNvGrpSpPr/>
+        <p:nvPr/>
+      </p:nvGrpSpPr>
+      <p:grpSpPr>
+        <a:xfrm>
+          <a:off x="0" y="0"/>
+          <a:ext cx="0" cy="0"/>
+          <a:chOff x="0" y="0"/>
+          <a:chExt cx="0" cy="0"/>
+        </a:xfrm>
+      </p:grpSpPr>
+      <p:sp>
+        <p:nvSpPr>
+          <p:cNvPr id="2" name="Titel 1"/>
+          <p:cNvSpPr>
+            <a:spLocks noGrp="1"/>
+          </p:cNvSpPr>
+          <p:nvPr>
+            <p:ph type="title"/>
+          </p:nvPr>
+        </p:nvSpPr>
+        <p:spPr/>
+        <p:txBody>
+          <a:bodyPr/>
+          <a:lstStyle/>
+          <a:p>
+            <a:r>
+              <a:rPr lang="de-DE" dirty="0" smtClean="0"/>
+              <a:t>Aufgabe 2d (2)</a:t>
+            </a:r>
+            <a:endParaRPr lang="de-DE" dirty="0"/>
+          </a:p>
+        </p:txBody>
+      </p:sp>
+      <mc:AlternateContent xmlns:mc="http://schemas.openxmlformats.org/markup-compatibility/2006">
+        <mc:Choice xmlns:a14="http://schemas.microsoft.com/office/drawing/2010/main" Requires="a14">
+          <p:sp>
+            <p:nvSpPr>
+              <p:cNvPr id="3" name="Inhaltsplatzhalter 2"/>
+              <p:cNvSpPr>
+                <a:spLocks noGrp="1"/>
+              </p:cNvSpPr>
+              <p:nvPr>
+                <p:ph idx="1"/>
+              </p:nvPr>
+            </p:nvSpPr>
+            <p:spPr>
+              <a:xfrm>
+                <a:off x="646112" y="1447800"/>
+                <a:ext cx="9403742" cy="4800599"/>
+              </a:xfrm>
+            </p:spPr>
+            <p:txBody>
+              <a:bodyPr>
+                <a:normAutofit/>
+              </a:bodyPr>
+              <a:lstStyle/>
+              <a:p>
+                <a:pPr marL="0" indent="0">
+                  <a:buNone/>
+                </a:pPr>
+                <a:r>
+                  <a:rPr lang="de-DE" sz="2800" dirty="0" smtClean="0"/>
+                  <a:t>ZZ: </a:t>
+                </a:r>
+                <a14:m>
+                  <m:oMath xmlns:m="http://schemas.openxmlformats.org/officeDocument/2006/math">
+                    <m:sSubSup>
+                      <m:sSubSupPr>
+                        <m:ctrlPr>
+                          <a:rPr lang="de-DE" sz="2800" i="1">
+                            <a:latin typeface="Cambria Math" panose="02040503050406030204" pitchFamily="18" charset="0"/>
+                          </a:rPr>
+                        </m:ctrlPr>
+                      </m:sSubSupPr>
+                      <m:e>
+                        <m:r>
+                          <a:rPr lang="de-DE" sz="2800" i="1">
+                            <a:latin typeface="Cambria Math" panose="02040503050406030204" pitchFamily="18" charset="0"/>
+                          </a:rPr>
+                          <m:t>𝐻</m:t>
+                        </m:r>
+                      </m:e>
+                      <m:sub>
+                        <m:sSub>
+                          <m:sSubPr>
+                            <m:ctrlPr>
+                              <a:rPr lang="de-DE" sz="2800" i="1">
+                                <a:latin typeface="Cambria Math" panose="02040503050406030204" pitchFamily="18" charset="0"/>
+                              </a:rPr>
+                            </m:ctrlPr>
+                          </m:sSubPr>
+                          <m:e>
+                            <m:r>
+                              <a:rPr lang="de-DE" sz="2800" i="1">
+                                <a:latin typeface="Cambria Math" panose="02040503050406030204" pitchFamily="18" charset="0"/>
+                              </a:rPr>
+                              <m:t>ℙ</m:t>
+                            </m:r>
+                          </m:e>
+                          <m:sub>
+                            <m:r>
+                              <a:rPr lang="de-DE" sz="2800" i="1">
+                                <a:latin typeface="Cambria Math" panose="02040503050406030204" pitchFamily="18" charset="0"/>
+                              </a:rPr>
+                              <m:t>1</m:t>
+                            </m:r>
+                          </m:sub>
+                        </m:sSub>
+                      </m:sub>
+                      <m:sup>
+                        <m:r>
+                          <a:rPr lang="de-DE" sz="2800" i="1">
+                            <a:latin typeface="Cambria Math" panose="02040503050406030204" pitchFamily="18" charset="0"/>
+                          </a:rPr>
+                          <m:t>𝑋</m:t>
+                        </m:r>
+                      </m:sup>
+                    </m:sSubSup>
+                    <m:r>
+                      <a:rPr lang="de-DE" sz="2800" i="1">
+                        <a:latin typeface="Cambria Math" panose="02040503050406030204" pitchFamily="18" charset="0"/>
+                      </a:rPr>
+                      <m:t>≤</m:t>
+                    </m:r>
+                    <m:sSubSup>
+                      <m:sSubSupPr>
+                        <m:ctrlPr>
+                          <a:rPr lang="de-DE" sz="2800" i="1">
+                            <a:latin typeface="Cambria Math" panose="02040503050406030204" pitchFamily="18" charset="0"/>
+                          </a:rPr>
+                        </m:ctrlPr>
+                      </m:sSubSupPr>
+                      <m:e>
+                        <m:r>
+                          <a:rPr lang="de-DE" sz="2800" i="1">
+                            <a:latin typeface="Cambria Math" panose="02040503050406030204" pitchFamily="18" charset="0"/>
+                          </a:rPr>
+                          <m:t>𝐻</m:t>
+                        </m:r>
+                      </m:e>
+                      <m:sub>
+                        <m:sSub>
+                          <m:sSubPr>
+                            <m:ctrlPr>
+                              <a:rPr lang="de-DE" sz="2800" i="1">
+                                <a:latin typeface="Cambria Math" panose="02040503050406030204" pitchFamily="18" charset="0"/>
+                              </a:rPr>
+                            </m:ctrlPr>
+                          </m:sSubPr>
+                          <m:e>
+                            <m:r>
+                              <a:rPr lang="de-DE" sz="2800" i="1">
+                                <a:latin typeface="Cambria Math" panose="02040503050406030204" pitchFamily="18" charset="0"/>
+                              </a:rPr>
+                              <m:t>ℙ</m:t>
+                            </m:r>
+                          </m:e>
+                          <m:sub>
+                            <m:r>
+                              <a:rPr lang="de-DE" sz="2800" i="1">
+                                <a:latin typeface="Cambria Math" panose="02040503050406030204" pitchFamily="18" charset="0"/>
+                              </a:rPr>
+                              <m:t>2</m:t>
+                            </m:r>
+                          </m:sub>
+                        </m:sSub>
+                      </m:sub>
+                      <m:sup>
+                        <m:r>
+                          <a:rPr lang="de-DE" sz="2800" i="1">
+                            <a:latin typeface="Cambria Math" panose="02040503050406030204" pitchFamily="18" charset="0"/>
+                          </a:rPr>
+                          <m:t>𝑋</m:t>
+                        </m:r>
+                      </m:sup>
+                    </m:sSubSup>
+                  </m:oMath>
+                </a14:m>
+                <a:r>
+                  <a:rPr lang="de-DE" sz="2800" dirty="0" smtClean="0"/>
+                  <a:t> , </a:t>
+                </a:r>
+                <a14:m>
+                  <m:oMath xmlns:m="http://schemas.openxmlformats.org/officeDocument/2006/math">
+                    <m:sSubSup>
+                      <m:sSubSupPr>
+                        <m:ctrlPr>
+                          <a:rPr lang="de-DE" sz="2800" i="1">
+                            <a:latin typeface="Cambria Math" panose="02040503050406030204" pitchFamily="18" charset="0"/>
+                            <a:ea typeface="Cambria Math" panose="02040503050406030204" pitchFamily="18" charset="0"/>
+                          </a:rPr>
+                        </m:ctrlPr>
+                      </m:sSubSupPr>
+                      <m:e>
+                        <m:r>
+                          <a:rPr lang="de-DE" sz="2800" i="1">
+                            <a:latin typeface="Cambria Math" panose="02040503050406030204" pitchFamily="18" charset="0"/>
+                            <a:ea typeface="Cambria Math" panose="02040503050406030204" pitchFamily="18" charset="0"/>
+                          </a:rPr>
+                          <m:t>ℙ</m:t>
+                        </m:r>
+                      </m:e>
+                      <m:sub>
+                        <m:r>
+                          <a:rPr lang="de-DE" sz="2800" i="1">
+                            <a:latin typeface="Cambria Math" panose="02040503050406030204" pitchFamily="18" charset="0"/>
+                            <a:ea typeface="Cambria Math" panose="02040503050406030204" pitchFamily="18" charset="0"/>
+                          </a:rPr>
+                          <m:t>2</m:t>
+                        </m:r>
+                      </m:sub>
+                      <m:sup>
+                        <m:r>
+                          <a:rPr lang="de-DE" sz="2800" i="1">
+                            <a:latin typeface="Cambria Math" panose="02040503050406030204" pitchFamily="18" charset="0"/>
+                            <a:ea typeface="Cambria Math" panose="02040503050406030204" pitchFamily="18" charset="0"/>
+                          </a:rPr>
+                          <m:t>𝑋</m:t>
+                        </m:r>
+                      </m:sup>
+                    </m:sSubSup>
+                    <m:d>
+                      <m:dPr>
+                        <m:ctrlPr>
+                          <a:rPr lang="de-DE" sz="2800" i="1">
+                            <a:latin typeface="Cambria Math" panose="02040503050406030204" pitchFamily="18" charset="0"/>
+                            <a:ea typeface="Cambria Math" panose="02040503050406030204" pitchFamily="18" charset="0"/>
+                          </a:rPr>
+                        </m:ctrlPr>
+                      </m:dPr>
+                      <m:e>
+                        <m:r>
+                          <a:rPr lang="de-DE" sz="2800" i="1">
+                            <a:latin typeface="Cambria Math" panose="02040503050406030204" pitchFamily="18" charset="0"/>
+                            <a:ea typeface="Cambria Math" panose="02040503050406030204" pitchFamily="18" charset="0"/>
+                          </a:rPr>
+                          <m:t>𝑥</m:t>
+                        </m:r>
+                      </m:e>
+                    </m:d>
+                    <m:r>
+                      <a:rPr lang="de-DE" sz="2800" b="0" i="0" smtClean="0">
+                        <a:latin typeface="Cambria Math" panose="02040503050406030204" pitchFamily="18" charset="0"/>
+                        <a:ea typeface="Cambria Math" panose="02040503050406030204" pitchFamily="18" charset="0"/>
+                      </a:rPr>
+                      <m:t>=</m:t>
+                    </m:r>
+                    <m:f>
+                      <m:fPr>
+                        <m:ctrlPr>
+                          <a:rPr lang="de-DE" sz="2800" b="0" i="1" smtClean="0">
+                            <a:latin typeface="Cambria Math" panose="02040503050406030204" pitchFamily="18" charset="0"/>
+                            <a:ea typeface="Cambria Math" panose="02040503050406030204" pitchFamily="18" charset="0"/>
+                          </a:rPr>
+                        </m:ctrlPr>
+                      </m:fPr>
+                      <m:num>
+                        <m:r>
+                          <a:rPr lang="de-DE" sz="2800" b="0" i="0" smtClean="0">
+                            <a:latin typeface="Cambria Math" panose="02040503050406030204" pitchFamily="18" charset="0"/>
+                            <a:ea typeface="Cambria Math" panose="02040503050406030204" pitchFamily="18" charset="0"/>
+                          </a:rPr>
+                          <m:t>1</m:t>
+                        </m:r>
+                      </m:num>
+                      <m:den>
+                        <m:d>
+                          <m:dPr>
+                            <m:begChr m:val="|"/>
+                            <m:endChr m:val="|"/>
+                            <m:ctrlPr>
+                              <a:rPr lang="de-DE" sz="2800" b="0" i="1" smtClean="0">
+                                <a:latin typeface="Cambria Math" panose="02040503050406030204" pitchFamily="18" charset="0"/>
+                                <a:ea typeface="Cambria Math" panose="02040503050406030204" pitchFamily="18" charset="0"/>
+                              </a:rPr>
+                            </m:ctrlPr>
+                          </m:dPr>
+                          <m:e>
+                            <m:r>
+                              <m:rPr>
+                                <m:sty m:val="p"/>
+                              </m:rPr>
+                              <a:rPr lang="de-DE" sz="2800" b="0" i="0" smtClean="0">
+                                <a:latin typeface="Cambria Math" panose="02040503050406030204" pitchFamily="18" charset="0"/>
+                                <a:ea typeface="Cambria Math" panose="02040503050406030204" pitchFamily="18" charset="0"/>
+                              </a:rPr>
+                              <m:t>X</m:t>
+                            </m:r>
+                          </m:e>
+                        </m:d>
+                      </m:den>
+                    </m:f>
+                  </m:oMath>
+                </a14:m>
+                <a:r>
+                  <a:rPr lang="de-DE" sz="2800" dirty="0" smtClean="0"/>
+                  <a:t> („Gleichverteilung“)</a:t>
+                </a:r>
+                <a:endParaRPr lang="de-DE" sz="2800" dirty="0"/>
+              </a:p>
+              <a:p>
+                <a:pPr marL="0" indent="0">
+                  <a:buNone/>
+                </a:pPr>
+                <a14:m>
+                  <m:oMathPara xmlns:m="http://schemas.openxmlformats.org/officeDocument/2006/math">
+                    <m:oMathParaPr>
+                      <m:jc m:val="centerGroup"/>
+                    </m:oMathParaPr>
+                    <m:oMath xmlns:m="http://schemas.openxmlformats.org/officeDocument/2006/math">
+                      <m:r>
+                        <a:rPr lang="de-DE" sz="2800" b="0" i="1" smtClean="0">
+                          <a:latin typeface="Cambria Math" panose="02040503050406030204" pitchFamily="18" charset="0"/>
+                        </a:rPr>
+                        <m:t>−</m:t>
+                      </m:r>
+                      <m:nary>
+                        <m:naryPr>
+                          <m:chr m:val="∑"/>
+                          <m:supHide m:val="on"/>
+                          <m:ctrlPr>
+                            <a:rPr lang="de-DE" sz="2800" i="1">
+                              <a:latin typeface="Cambria Math" panose="02040503050406030204" pitchFamily="18" charset="0"/>
+                            </a:rPr>
+                          </m:ctrlPr>
+                        </m:naryPr>
+                        <m:sub>
+                          <m:r>
+                            <m:rPr>
+                              <m:brk m:alnAt="7"/>
+                            </m:rPr>
+                            <a:rPr lang="de-DE" sz="2800" i="1">
+                              <a:latin typeface="Cambria Math" panose="02040503050406030204" pitchFamily="18" charset="0"/>
+                            </a:rPr>
+                            <m:t>𝑥</m:t>
+                          </m:r>
+                          <m:r>
+                            <a:rPr lang="de-DE" sz="2800" i="1">
+                              <a:latin typeface="Cambria Math" panose="02040503050406030204" pitchFamily="18" charset="0"/>
+                            </a:rPr>
+                            <m:t>∈</m:t>
+                          </m:r>
+                          <m:r>
+                            <a:rPr lang="de-DE" sz="2800" i="1">
+                              <a:latin typeface="Cambria Math" panose="02040503050406030204" pitchFamily="18" charset="0"/>
+                            </a:rPr>
+                            <m:t>𝑋</m:t>
+                          </m:r>
+                          <m:d>
+                            <m:dPr>
+                              <m:ctrlPr>
+                                <a:rPr lang="de-DE" sz="2800" i="1">
+                                  <a:latin typeface="Cambria Math" panose="02040503050406030204" pitchFamily="18" charset="0"/>
+                                </a:rPr>
+                              </m:ctrlPr>
+                            </m:dPr>
+                            <m:e>
+                              <m:r>
+                                <m:rPr>
+                                  <m:sty m:val="p"/>
+                                </m:rPr>
+                                <a:rPr lang="de-DE" sz="2800">
+                                  <a:latin typeface="Cambria Math" panose="02040503050406030204" pitchFamily="18" charset="0"/>
+                                </a:rPr>
+                                <m:t>Ω</m:t>
+                              </m:r>
+                            </m:e>
+                          </m:d>
+                        </m:sub>
+                        <m:sup/>
+                        <m:e>
+                          <m:sSubSup>
+                            <m:sSubSupPr>
+                              <m:ctrlPr>
+                                <a:rPr lang="de-DE" sz="2800" i="1">
+                                  <a:latin typeface="Cambria Math" panose="02040503050406030204" pitchFamily="18" charset="0"/>
+                                  <a:ea typeface="Cambria Math" panose="02040503050406030204" pitchFamily="18" charset="0"/>
+                                </a:rPr>
+                              </m:ctrlPr>
+                            </m:sSubSupPr>
+                            <m:e>
+                              <m:r>
+                                <a:rPr lang="de-DE" sz="2800" i="1">
+                                  <a:latin typeface="Cambria Math" panose="02040503050406030204" pitchFamily="18" charset="0"/>
+                                  <a:ea typeface="Cambria Math" panose="02040503050406030204" pitchFamily="18" charset="0"/>
+                                </a:rPr>
+                                <m:t>ℙ</m:t>
+                              </m:r>
+                            </m:e>
+                            <m:sub>
+                              <m:r>
+                                <a:rPr lang="de-DE" sz="2800" i="1">
+                                  <a:latin typeface="Cambria Math" panose="02040503050406030204" pitchFamily="18" charset="0"/>
+                                  <a:ea typeface="Cambria Math" panose="02040503050406030204" pitchFamily="18" charset="0"/>
+                                </a:rPr>
+                                <m:t>2</m:t>
+                              </m:r>
+                            </m:sub>
+                            <m:sup>
+                              <m:r>
+                                <a:rPr lang="de-DE" sz="2800" i="1">
+                                  <a:latin typeface="Cambria Math" panose="02040503050406030204" pitchFamily="18" charset="0"/>
+                                  <a:ea typeface="Cambria Math" panose="02040503050406030204" pitchFamily="18" charset="0"/>
+                                </a:rPr>
+                                <m:t>𝑋</m:t>
+                              </m:r>
+                            </m:sup>
+                          </m:sSubSup>
+                          <m:d>
+                            <m:dPr>
+                              <m:ctrlPr>
+                                <a:rPr lang="de-DE" sz="2800" i="1">
+                                  <a:latin typeface="Cambria Math" panose="02040503050406030204" pitchFamily="18" charset="0"/>
+                                  <a:ea typeface="Cambria Math" panose="02040503050406030204" pitchFamily="18" charset="0"/>
+                                </a:rPr>
+                              </m:ctrlPr>
+                            </m:dPr>
+                            <m:e>
+                              <m:r>
+                                <a:rPr lang="de-DE" sz="2800" i="1">
+                                  <a:latin typeface="Cambria Math" panose="02040503050406030204" pitchFamily="18" charset="0"/>
+                                  <a:ea typeface="Cambria Math" panose="02040503050406030204" pitchFamily="18" charset="0"/>
+                                </a:rPr>
+                                <m:t>𝑥</m:t>
+                              </m:r>
+                            </m:e>
+                          </m:d>
+                          <m:func>
+                            <m:funcPr>
+                              <m:ctrlPr>
+                                <a:rPr lang="de-DE" sz="2800" i="1">
+                                  <a:latin typeface="Cambria Math" panose="02040503050406030204" pitchFamily="18" charset="0"/>
+                                  <a:ea typeface="Cambria Math" panose="02040503050406030204" pitchFamily="18" charset="0"/>
+                                </a:rPr>
+                              </m:ctrlPr>
+                            </m:funcPr>
+                            <m:fName>
+                              <m:sSub>
+                                <m:sSubPr>
+                                  <m:ctrlPr>
+                                    <a:rPr lang="de-DE" sz="2800" i="1">
+                                      <a:latin typeface="Cambria Math" panose="02040503050406030204" pitchFamily="18" charset="0"/>
+                                      <a:ea typeface="Cambria Math" panose="02040503050406030204" pitchFamily="18" charset="0"/>
+                                    </a:rPr>
+                                  </m:ctrlPr>
+                                </m:sSubPr>
+                                <m:e>
+                                  <m:r>
+                                    <m:rPr>
+                                      <m:sty m:val="p"/>
+                                    </m:rPr>
+                                    <a:rPr lang="de-DE" sz="2800">
+                                      <a:latin typeface="Cambria Math" panose="02040503050406030204" pitchFamily="18" charset="0"/>
+                                      <a:ea typeface="Cambria Math" panose="02040503050406030204" pitchFamily="18" charset="0"/>
+                                    </a:rPr>
+                                    <m:t>log</m:t>
+                                  </m:r>
+                                </m:e>
+                                <m:sub>
+                                  <m:r>
+                                    <a:rPr lang="de-DE" sz="2800" i="1">
+                                      <a:latin typeface="Cambria Math" panose="02040503050406030204" pitchFamily="18" charset="0"/>
+                                      <a:ea typeface="Cambria Math" panose="02040503050406030204" pitchFamily="18" charset="0"/>
+                                    </a:rPr>
+                                    <m:t>2</m:t>
+                                  </m:r>
+                                </m:sub>
+                              </m:sSub>
+                            </m:fName>
+                            <m:e>
+                              <m:d>
+                                <m:dPr>
+                                  <m:ctrlPr>
+                                    <a:rPr lang="de-DE" sz="2800" i="1">
+                                      <a:latin typeface="Cambria Math" panose="02040503050406030204" pitchFamily="18" charset="0"/>
+                                      <a:ea typeface="Cambria Math" panose="02040503050406030204" pitchFamily="18" charset="0"/>
+                                    </a:rPr>
+                                  </m:ctrlPr>
+                                </m:dPr>
+                                <m:e>
+                                  <m:sSubSup>
+                                    <m:sSubSupPr>
+                                      <m:ctrlPr>
+                                        <a:rPr lang="de-DE" sz="2800" i="1">
+                                          <a:latin typeface="Cambria Math" panose="02040503050406030204" pitchFamily="18" charset="0"/>
+                                          <a:ea typeface="Cambria Math" panose="02040503050406030204" pitchFamily="18" charset="0"/>
+                                        </a:rPr>
+                                      </m:ctrlPr>
+                                    </m:sSubSupPr>
+                                    <m:e>
+                                      <m:r>
+                                        <a:rPr lang="de-DE" sz="2800" i="1">
+                                          <a:latin typeface="Cambria Math" panose="02040503050406030204" pitchFamily="18" charset="0"/>
+                                          <a:ea typeface="Cambria Math" panose="02040503050406030204" pitchFamily="18" charset="0"/>
+                                        </a:rPr>
+                                        <m:t>ℙ</m:t>
+                                      </m:r>
+                                    </m:e>
+                                    <m:sub>
+                                      <m:r>
+                                        <a:rPr lang="de-DE" sz="2800" i="1">
+                                          <a:latin typeface="Cambria Math" panose="02040503050406030204" pitchFamily="18" charset="0"/>
+                                          <a:ea typeface="Cambria Math" panose="02040503050406030204" pitchFamily="18" charset="0"/>
+                                        </a:rPr>
+                                        <m:t>2</m:t>
+                                      </m:r>
+                                    </m:sub>
+                                    <m:sup>
+                                      <m:r>
+                                        <a:rPr lang="de-DE" sz="2800" i="1">
+                                          <a:latin typeface="Cambria Math" panose="02040503050406030204" pitchFamily="18" charset="0"/>
+                                          <a:ea typeface="Cambria Math" panose="02040503050406030204" pitchFamily="18" charset="0"/>
+                                        </a:rPr>
+                                        <m:t>𝑋</m:t>
+                                      </m:r>
+                                    </m:sup>
+                                  </m:sSubSup>
+                                  <m:d>
+                                    <m:dPr>
+                                      <m:ctrlPr>
+                                        <a:rPr lang="de-DE" sz="2800" i="1">
+                                          <a:latin typeface="Cambria Math" panose="02040503050406030204" pitchFamily="18" charset="0"/>
+                                          <a:ea typeface="Cambria Math" panose="02040503050406030204" pitchFamily="18" charset="0"/>
+                                        </a:rPr>
+                                      </m:ctrlPr>
+                                    </m:dPr>
+                                    <m:e>
+                                      <m:r>
+                                        <a:rPr lang="de-DE" sz="2800" i="1">
+                                          <a:latin typeface="Cambria Math" panose="02040503050406030204" pitchFamily="18" charset="0"/>
+                                          <a:ea typeface="Cambria Math" panose="02040503050406030204" pitchFamily="18" charset="0"/>
+                                        </a:rPr>
+                                        <m:t>𝑥</m:t>
+                                      </m:r>
+                                    </m:e>
+                                  </m:d>
+                                </m:e>
+                              </m:d>
+                            </m:e>
+                          </m:func>
+                        </m:e>
+                      </m:nary>
+                      <m:r>
+                        <a:rPr lang="de-DE" sz="2800" b="0" i="1" smtClean="0">
+                          <a:latin typeface="Cambria Math" panose="02040503050406030204" pitchFamily="18" charset="0"/>
+                          <a:ea typeface="Cambria Math" panose="02040503050406030204" pitchFamily="18" charset="0"/>
+                        </a:rPr>
+                        <m:t>=</m:t>
+                      </m:r>
+                      <m:nary>
+                        <m:naryPr>
+                          <m:chr m:val="∑"/>
+                          <m:supHide m:val="on"/>
+                          <m:ctrlPr>
+                            <a:rPr lang="de-DE" sz="2800" i="1">
+                              <a:latin typeface="Cambria Math" panose="02040503050406030204" pitchFamily="18" charset="0"/>
+                            </a:rPr>
+                          </m:ctrlPr>
+                        </m:naryPr>
+                        <m:sub>
+                          <m:r>
+                            <m:rPr>
+                              <m:brk m:alnAt="7"/>
+                            </m:rPr>
+                            <a:rPr lang="de-DE" sz="2800" i="1">
+                              <a:latin typeface="Cambria Math" panose="02040503050406030204" pitchFamily="18" charset="0"/>
+                            </a:rPr>
+                            <m:t>𝑥</m:t>
+                          </m:r>
+                          <m:r>
+                            <a:rPr lang="de-DE" sz="2800" i="1">
+                              <a:latin typeface="Cambria Math" panose="02040503050406030204" pitchFamily="18" charset="0"/>
+                            </a:rPr>
+                            <m:t>∈</m:t>
+                          </m:r>
+                          <m:r>
+                            <a:rPr lang="de-DE" sz="2800" i="1">
+                              <a:latin typeface="Cambria Math" panose="02040503050406030204" pitchFamily="18" charset="0"/>
+                            </a:rPr>
+                            <m:t>𝑋</m:t>
+                          </m:r>
+                          <m:d>
+                            <m:dPr>
+                              <m:ctrlPr>
+                                <a:rPr lang="de-DE" sz="2800" i="1">
+                                  <a:latin typeface="Cambria Math" panose="02040503050406030204" pitchFamily="18" charset="0"/>
+                                </a:rPr>
+                              </m:ctrlPr>
+                            </m:dPr>
+                            <m:e>
+                              <m:r>
+                                <m:rPr>
+                                  <m:sty m:val="p"/>
+                                </m:rPr>
+                                <a:rPr lang="de-DE" sz="2800">
+                                  <a:latin typeface="Cambria Math" panose="02040503050406030204" pitchFamily="18" charset="0"/>
+                                </a:rPr>
+                                <m:t>Ω</m:t>
+                              </m:r>
+                            </m:e>
+                          </m:d>
+                        </m:sub>
+                        <m:sup/>
+                        <m:e>
+                          <m:func>
+                            <m:funcPr>
+                              <m:ctrlPr>
+                                <a:rPr lang="de-DE" sz="2800" i="1">
+                                  <a:latin typeface="Cambria Math" panose="02040503050406030204" pitchFamily="18" charset="0"/>
+                                  <a:ea typeface="Cambria Math" panose="02040503050406030204" pitchFamily="18" charset="0"/>
+                                </a:rPr>
+                              </m:ctrlPr>
+                            </m:funcPr>
+                            <m:fName>
+                              <m:f>
+                                <m:fPr>
+                                  <m:ctrlPr>
+                                    <a:rPr lang="de-DE" sz="2800" i="1">
+                                      <a:latin typeface="Cambria Math" panose="02040503050406030204" pitchFamily="18" charset="0"/>
+                                      <a:ea typeface="Cambria Math" panose="02040503050406030204" pitchFamily="18" charset="0"/>
+                                    </a:rPr>
+                                  </m:ctrlPr>
+                                </m:fPr>
+                                <m:num>
+                                  <m:r>
+                                    <a:rPr lang="de-DE" sz="2800">
+                                      <a:latin typeface="Cambria Math" panose="02040503050406030204" pitchFamily="18" charset="0"/>
+                                      <a:ea typeface="Cambria Math" panose="02040503050406030204" pitchFamily="18" charset="0"/>
+                                    </a:rPr>
+                                    <m:t>1</m:t>
+                                  </m:r>
+                                </m:num>
+                                <m:den>
+                                  <m:d>
+                                    <m:dPr>
+                                      <m:begChr m:val="|"/>
+                                      <m:endChr m:val="|"/>
+                                      <m:ctrlPr>
+                                        <a:rPr lang="de-DE" sz="2800" i="1">
+                                          <a:latin typeface="Cambria Math" panose="02040503050406030204" pitchFamily="18" charset="0"/>
+                                          <a:ea typeface="Cambria Math" panose="02040503050406030204" pitchFamily="18" charset="0"/>
+                                        </a:rPr>
+                                      </m:ctrlPr>
+                                    </m:dPr>
+                                    <m:e>
+                                      <m:r>
+                                        <m:rPr>
+                                          <m:sty m:val="p"/>
+                                        </m:rPr>
+                                        <a:rPr lang="de-DE" sz="2800">
+                                          <a:latin typeface="Cambria Math" panose="02040503050406030204" pitchFamily="18" charset="0"/>
+                                          <a:ea typeface="Cambria Math" panose="02040503050406030204" pitchFamily="18" charset="0"/>
+                                        </a:rPr>
+                                        <m:t>X</m:t>
+                                      </m:r>
+                                    </m:e>
+                                  </m:d>
+                                </m:den>
+                              </m:f>
+                              <m:sSub>
+                                <m:sSubPr>
+                                  <m:ctrlPr>
+                                    <a:rPr lang="de-DE" sz="2800" i="1">
+                                      <a:latin typeface="Cambria Math" panose="02040503050406030204" pitchFamily="18" charset="0"/>
+                                      <a:ea typeface="Cambria Math" panose="02040503050406030204" pitchFamily="18" charset="0"/>
+                                    </a:rPr>
+                                  </m:ctrlPr>
+                                </m:sSubPr>
+                                <m:e>
+                                  <m:r>
+                                    <m:rPr>
+                                      <m:sty m:val="p"/>
+                                    </m:rPr>
+                                    <a:rPr lang="de-DE" sz="2800">
+                                      <a:latin typeface="Cambria Math" panose="02040503050406030204" pitchFamily="18" charset="0"/>
+                                      <a:ea typeface="Cambria Math" panose="02040503050406030204" pitchFamily="18" charset="0"/>
+                                    </a:rPr>
+                                    <m:t>log</m:t>
+                                  </m:r>
+                                </m:e>
+                                <m:sub>
+                                  <m:r>
+                                    <a:rPr lang="de-DE" sz="2800" i="1">
+                                      <a:latin typeface="Cambria Math" panose="02040503050406030204" pitchFamily="18" charset="0"/>
+                                      <a:ea typeface="Cambria Math" panose="02040503050406030204" pitchFamily="18" charset="0"/>
+                                    </a:rPr>
+                                    <m:t>2</m:t>
+                                  </m:r>
+                                </m:sub>
+                              </m:sSub>
+                            </m:fName>
+                            <m:e>
+                              <m:d>
+                                <m:dPr>
+                                  <m:ctrlPr>
+                                    <a:rPr lang="de-DE" sz="2800" i="1">
+                                      <a:latin typeface="Cambria Math" panose="02040503050406030204" pitchFamily="18" charset="0"/>
+                                      <a:ea typeface="Cambria Math" panose="02040503050406030204" pitchFamily="18" charset="0"/>
+                                    </a:rPr>
+                                  </m:ctrlPr>
+                                </m:dPr>
+                                <m:e>
+                                  <m:d>
+                                    <m:dPr>
+                                      <m:begChr m:val="|"/>
+                                      <m:endChr m:val="|"/>
+                                      <m:ctrlPr>
+                                        <a:rPr lang="de-DE" sz="2800" b="0" i="1" smtClean="0">
+                                          <a:latin typeface="Cambria Math" panose="02040503050406030204" pitchFamily="18" charset="0"/>
+                                          <a:ea typeface="Cambria Math" panose="02040503050406030204" pitchFamily="18" charset="0"/>
+                                        </a:rPr>
+                                      </m:ctrlPr>
+                                    </m:dPr>
+                                    <m:e>
+                                      <m:r>
+                                        <a:rPr lang="de-DE" sz="2800" b="0" i="1" smtClean="0">
+                                          <a:latin typeface="Cambria Math" panose="02040503050406030204" pitchFamily="18" charset="0"/>
+                                          <a:ea typeface="Cambria Math" panose="02040503050406030204" pitchFamily="18" charset="0"/>
+                                        </a:rPr>
+                                        <m:t>𝑋</m:t>
+                                      </m:r>
+                                    </m:e>
+                                  </m:d>
+                                </m:e>
+                              </m:d>
+                            </m:e>
+                          </m:func>
+                        </m:e>
+                      </m:nary>
+                      <m:r>
+                        <a:rPr lang="de-DE" sz="2800" b="0" i="1" smtClean="0">
+                          <a:latin typeface="Cambria Math" panose="02040503050406030204" pitchFamily="18" charset="0"/>
+                          <a:ea typeface="Cambria Math" panose="02040503050406030204" pitchFamily="18" charset="0"/>
+                        </a:rPr>
+                        <m:t>=</m:t>
+                      </m:r>
+                      <m:func>
+                        <m:funcPr>
+                          <m:ctrlPr>
+                            <a:rPr lang="de-DE" sz="2800" i="1">
+                              <a:latin typeface="Cambria Math" panose="02040503050406030204" pitchFamily="18" charset="0"/>
+                              <a:ea typeface="Cambria Math" panose="02040503050406030204" pitchFamily="18" charset="0"/>
+                            </a:rPr>
+                          </m:ctrlPr>
+                        </m:funcPr>
+                        <m:fName>
+                          <m:f>
+                            <m:fPr>
+                              <m:ctrlPr>
+                                <a:rPr lang="de-DE" sz="2800" i="1">
+                                  <a:latin typeface="Cambria Math" panose="02040503050406030204" pitchFamily="18" charset="0"/>
+                                  <a:ea typeface="Cambria Math" panose="02040503050406030204" pitchFamily="18" charset="0"/>
+                                </a:rPr>
+                              </m:ctrlPr>
+                            </m:fPr>
+                            <m:num>
+                              <m:r>
+                                <a:rPr lang="de-DE" sz="2800">
+                                  <a:latin typeface="Cambria Math" panose="02040503050406030204" pitchFamily="18" charset="0"/>
+                                  <a:ea typeface="Cambria Math" panose="02040503050406030204" pitchFamily="18" charset="0"/>
+                                </a:rPr>
+                                <m:t>1</m:t>
+                              </m:r>
+                            </m:num>
+                            <m:den>
+                              <m:d>
+                                <m:dPr>
+                                  <m:begChr m:val="|"/>
+                                  <m:endChr m:val="|"/>
+                                  <m:ctrlPr>
+                                    <a:rPr lang="de-DE" sz="2800" i="1">
+                                      <a:latin typeface="Cambria Math" panose="02040503050406030204" pitchFamily="18" charset="0"/>
+                                      <a:ea typeface="Cambria Math" panose="02040503050406030204" pitchFamily="18" charset="0"/>
+                                    </a:rPr>
+                                  </m:ctrlPr>
+                                </m:dPr>
+                                <m:e>
+                                  <m:r>
+                                    <m:rPr>
+                                      <m:sty m:val="p"/>
+                                    </m:rPr>
+                                    <a:rPr lang="de-DE" sz="2800">
+                                      <a:latin typeface="Cambria Math" panose="02040503050406030204" pitchFamily="18" charset="0"/>
+                                      <a:ea typeface="Cambria Math" panose="02040503050406030204" pitchFamily="18" charset="0"/>
+                                    </a:rPr>
+                                    <m:t>X</m:t>
+                                  </m:r>
+                                </m:e>
+                              </m:d>
+                            </m:den>
+                          </m:f>
+                          <m:sSub>
+                            <m:sSubPr>
+                              <m:ctrlPr>
+                                <a:rPr lang="de-DE" sz="2800" i="1">
+                                  <a:latin typeface="Cambria Math" panose="02040503050406030204" pitchFamily="18" charset="0"/>
+                                  <a:ea typeface="Cambria Math" panose="02040503050406030204" pitchFamily="18" charset="0"/>
+                                </a:rPr>
+                              </m:ctrlPr>
+                            </m:sSubPr>
+                            <m:e>
+                              <m:r>
+                                <m:rPr>
+                                  <m:sty m:val="p"/>
+                                </m:rPr>
+                                <a:rPr lang="de-DE" sz="2800">
+                                  <a:latin typeface="Cambria Math" panose="02040503050406030204" pitchFamily="18" charset="0"/>
+                                  <a:ea typeface="Cambria Math" panose="02040503050406030204" pitchFamily="18" charset="0"/>
+                                </a:rPr>
+                                <m:t>log</m:t>
+                              </m:r>
+                            </m:e>
+                            <m:sub>
+                              <m:r>
+                                <a:rPr lang="de-DE" sz="2800" i="1">
+                                  <a:latin typeface="Cambria Math" panose="02040503050406030204" pitchFamily="18" charset="0"/>
+                                  <a:ea typeface="Cambria Math" panose="02040503050406030204" pitchFamily="18" charset="0"/>
+                                </a:rPr>
+                                <m:t>2</m:t>
+                              </m:r>
+                            </m:sub>
+                          </m:sSub>
+                        </m:fName>
+                        <m:e>
+                          <m:d>
+                            <m:dPr>
+                              <m:ctrlPr>
+                                <a:rPr lang="de-DE" sz="2800" i="1">
+                                  <a:latin typeface="Cambria Math" panose="02040503050406030204" pitchFamily="18" charset="0"/>
+                                  <a:ea typeface="Cambria Math" panose="02040503050406030204" pitchFamily="18" charset="0"/>
+                                </a:rPr>
+                              </m:ctrlPr>
+                            </m:dPr>
+                            <m:e>
+                              <m:d>
+                                <m:dPr>
+                                  <m:begChr m:val="|"/>
+                                  <m:endChr m:val="|"/>
+                                  <m:ctrlPr>
+                                    <a:rPr lang="de-DE" sz="2800" i="1">
+                                      <a:latin typeface="Cambria Math" panose="02040503050406030204" pitchFamily="18" charset="0"/>
+                                      <a:ea typeface="Cambria Math" panose="02040503050406030204" pitchFamily="18" charset="0"/>
+                                    </a:rPr>
+                                  </m:ctrlPr>
+                                </m:dPr>
+                                <m:e>
+                                  <m:r>
+                                    <a:rPr lang="de-DE" sz="2800" i="1">
+                                      <a:latin typeface="Cambria Math" panose="02040503050406030204" pitchFamily="18" charset="0"/>
+                                      <a:ea typeface="Cambria Math" panose="02040503050406030204" pitchFamily="18" charset="0"/>
+                                    </a:rPr>
+                                    <m:t>𝑋</m:t>
+                                  </m:r>
+                                </m:e>
+                              </m:d>
+                            </m:e>
+                          </m:d>
+                        </m:e>
+                      </m:func>
+                      <m:r>
+                        <a:rPr lang="de-DE" sz="2800" b="0" i="0" smtClean="0">
+                          <a:latin typeface="Cambria Math" panose="02040503050406030204" pitchFamily="18" charset="0"/>
+                          <a:ea typeface="Cambria Math" panose="02040503050406030204" pitchFamily="18" charset="0"/>
+                        </a:rPr>
+                        <m:t> </m:t>
+                      </m:r>
+                      <m:nary>
+                        <m:naryPr>
+                          <m:chr m:val="∑"/>
+                          <m:supHide m:val="on"/>
+                          <m:ctrlPr>
+                            <a:rPr lang="de-DE" sz="2800" b="0" i="1" smtClean="0">
+                              <a:latin typeface="Cambria Math" panose="02040503050406030204" pitchFamily="18" charset="0"/>
+                              <a:ea typeface="Cambria Math" panose="02040503050406030204" pitchFamily="18" charset="0"/>
+                            </a:rPr>
+                          </m:ctrlPr>
+                        </m:naryPr>
+                        <m:sub>
+                          <m:r>
+                            <m:rPr>
+                              <m:brk m:alnAt="7"/>
+                            </m:rPr>
+                            <a:rPr lang="de-DE" sz="2800" b="0" i="1" smtClean="0">
+                              <a:latin typeface="Cambria Math" panose="02040503050406030204" pitchFamily="18" charset="0"/>
+                              <a:ea typeface="Cambria Math" panose="02040503050406030204" pitchFamily="18" charset="0"/>
+                            </a:rPr>
+                            <m:t>𝑥</m:t>
+                          </m:r>
+                          <m:r>
+                            <a:rPr lang="de-DE" sz="2800" b="0" i="1" smtClean="0">
+                              <a:latin typeface="Cambria Math" panose="02040503050406030204" pitchFamily="18" charset="0"/>
+                              <a:ea typeface="Cambria Math" panose="02040503050406030204" pitchFamily="18" charset="0"/>
+                            </a:rPr>
+                            <m:t>∈</m:t>
+                          </m:r>
+                          <m:r>
+                            <a:rPr lang="de-DE" sz="2800" b="0" i="1" smtClean="0">
+                              <a:latin typeface="Cambria Math" panose="02040503050406030204" pitchFamily="18" charset="0"/>
+                              <a:ea typeface="Cambria Math" panose="02040503050406030204" pitchFamily="18" charset="0"/>
+                            </a:rPr>
+                            <m:t>𝑋</m:t>
+                          </m:r>
+                          <m:d>
+                            <m:dPr>
+                              <m:ctrlPr>
+                                <a:rPr lang="de-DE" sz="2800" b="0" i="1" smtClean="0">
+                                  <a:latin typeface="Cambria Math" panose="02040503050406030204" pitchFamily="18" charset="0"/>
+                                  <a:ea typeface="Cambria Math" panose="02040503050406030204" pitchFamily="18" charset="0"/>
+                                </a:rPr>
+                              </m:ctrlPr>
+                            </m:dPr>
+                            <m:e>
+                              <m:r>
+                                <m:rPr>
+                                  <m:sty m:val="p"/>
+                                </m:rPr>
+                                <a:rPr lang="de-DE" sz="2800" b="0" i="0" smtClean="0">
+                                  <a:latin typeface="Cambria Math" panose="02040503050406030204" pitchFamily="18" charset="0"/>
+                                  <a:ea typeface="Cambria Math" panose="02040503050406030204" pitchFamily="18" charset="0"/>
+                                </a:rPr>
+                                <m:t>Ω</m:t>
+                              </m:r>
+                            </m:e>
+                          </m:d>
+                        </m:sub>
+                        <m:sup/>
+                        <m:e>
+                          <m:r>
+                            <a:rPr lang="de-DE" sz="2800" b="0" i="1" smtClean="0">
+                              <a:latin typeface="Cambria Math" panose="02040503050406030204" pitchFamily="18" charset="0"/>
+                              <a:ea typeface="Cambria Math" panose="02040503050406030204" pitchFamily="18" charset="0"/>
+                            </a:rPr>
+                            <m:t>1</m:t>
+                          </m:r>
+                        </m:e>
+                      </m:nary>
+                      <m:r>
+                        <a:rPr lang="de-DE" sz="2800" b="0" i="1" smtClean="0">
+                          <a:latin typeface="Cambria Math" panose="02040503050406030204" pitchFamily="18" charset="0"/>
+                          <a:ea typeface="Cambria Math" panose="02040503050406030204" pitchFamily="18" charset="0"/>
+                        </a:rPr>
+                        <m:t>=</m:t>
+                      </m:r>
+                      <m:func>
+                        <m:funcPr>
+                          <m:ctrlPr>
+                            <a:rPr lang="de-DE" sz="2800" i="1">
+                              <a:latin typeface="Cambria Math" panose="02040503050406030204" pitchFamily="18" charset="0"/>
+                              <a:ea typeface="Cambria Math" panose="02040503050406030204" pitchFamily="18" charset="0"/>
+                            </a:rPr>
+                          </m:ctrlPr>
+                        </m:funcPr>
+                        <m:fName>
+                          <m:f>
+                            <m:fPr>
+                              <m:ctrlPr>
+                                <a:rPr lang="de-DE" sz="2800" i="1">
+                                  <a:latin typeface="Cambria Math" panose="02040503050406030204" pitchFamily="18" charset="0"/>
+                                  <a:ea typeface="Cambria Math" panose="02040503050406030204" pitchFamily="18" charset="0"/>
+                                </a:rPr>
+                              </m:ctrlPr>
+                            </m:fPr>
+                            <m:num>
+                              <m:d>
+                                <m:dPr>
+                                  <m:begChr m:val="|"/>
+                                  <m:endChr m:val="|"/>
+                                  <m:ctrlPr>
+                                    <a:rPr lang="de-DE" sz="2800" i="1">
+                                      <a:latin typeface="Cambria Math" panose="02040503050406030204" pitchFamily="18" charset="0"/>
+                                      <a:ea typeface="Cambria Math" panose="02040503050406030204" pitchFamily="18" charset="0"/>
+                                    </a:rPr>
+                                  </m:ctrlPr>
+                                </m:dPr>
+                                <m:e>
+                                  <m:r>
+                                    <a:rPr lang="de-DE" sz="2800" i="1">
+                                      <a:latin typeface="Cambria Math" panose="02040503050406030204" pitchFamily="18" charset="0"/>
+                                      <a:ea typeface="Cambria Math" panose="02040503050406030204" pitchFamily="18" charset="0"/>
+                                    </a:rPr>
+                                    <m:t>𝑋</m:t>
+                                  </m:r>
+                                </m:e>
+                              </m:d>
+                            </m:num>
+                            <m:den>
+                              <m:d>
+                                <m:dPr>
+                                  <m:begChr m:val="|"/>
+                                  <m:endChr m:val="|"/>
+                                  <m:ctrlPr>
+                                    <a:rPr lang="de-DE" sz="2800" i="1">
+                                      <a:latin typeface="Cambria Math" panose="02040503050406030204" pitchFamily="18" charset="0"/>
+                                      <a:ea typeface="Cambria Math" panose="02040503050406030204" pitchFamily="18" charset="0"/>
+                                    </a:rPr>
+                                  </m:ctrlPr>
+                                </m:dPr>
+                                <m:e>
+                                  <m:r>
+                                    <m:rPr>
+                                      <m:sty m:val="p"/>
+                                    </m:rPr>
+                                    <a:rPr lang="de-DE" sz="2800">
+                                      <a:latin typeface="Cambria Math" panose="02040503050406030204" pitchFamily="18" charset="0"/>
+                                      <a:ea typeface="Cambria Math" panose="02040503050406030204" pitchFamily="18" charset="0"/>
+                                    </a:rPr>
+                                    <m:t>X</m:t>
+                                  </m:r>
+                                </m:e>
+                              </m:d>
+                            </m:den>
+                          </m:f>
+                          <m:sSub>
+                            <m:sSubPr>
+                              <m:ctrlPr>
+                                <a:rPr lang="de-DE" sz="2800" i="1">
+                                  <a:latin typeface="Cambria Math" panose="02040503050406030204" pitchFamily="18" charset="0"/>
+                                  <a:ea typeface="Cambria Math" panose="02040503050406030204" pitchFamily="18" charset="0"/>
+                                </a:rPr>
+                              </m:ctrlPr>
+                            </m:sSubPr>
+                            <m:e>
+                              <m:r>
+                                <m:rPr>
+                                  <m:sty m:val="p"/>
+                                </m:rPr>
+                                <a:rPr lang="de-DE" sz="2800">
+                                  <a:latin typeface="Cambria Math" panose="02040503050406030204" pitchFamily="18" charset="0"/>
+                                  <a:ea typeface="Cambria Math" panose="02040503050406030204" pitchFamily="18" charset="0"/>
+                                </a:rPr>
+                                <m:t>log</m:t>
+                              </m:r>
+                            </m:e>
+                            <m:sub>
+                              <m:r>
+                                <a:rPr lang="de-DE" sz="2800" i="1">
+                                  <a:latin typeface="Cambria Math" panose="02040503050406030204" pitchFamily="18" charset="0"/>
+                                  <a:ea typeface="Cambria Math" panose="02040503050406030204" pitchFamily="18" charset="0"/>
+                                </a:rPr>
+                                <m:t>2</m:t>
+                              </m:r>
+                            </m:sub>
+                          </m:sSub>
+                        </m:fName>
+                        <m:e>
+                          <m:d>
+                            <m:dPr>
+                              <m:ctrlPr>
+                                <a:rPr lang="de-DE" sz="2800" i="1">
+                                  <a:latin typeface="Cambria Math" panose="02040503050406030204" pitchFamily="18" charset="0"/>
+                                  <a:ea typeface="Cambria Math" panose="02040503050406030204" pitchFamily="18" charset="0"/>
+                                </a:rPr>
+                              </m:ctrlPr>
+                            </m:dPr>
+                            <m:e>
+                              <m:d>
+                                <m:dPr>
+                                  <m:begChr m:val="|"/>
+                                  <m:endChr m:val="|"/>
+                                  <m:ctrlPr>
+                                    <a:rPr lang="de-DE" sz="2800" i="1">
+                                      <a:latin typeface="Cambria Math" panose="02040503050406030204" pitchFamily="18" charset="0"/>
+                                      <a:ea typeface="Cambria Math" panose="02040503050406030204" pitchFamily="18" charset="0"/>
+                                    </a:rPr>
+                                  </m:ctrlPr>
+                                </m:dPr>
+                                <m:e>
+                                  <m:r>
+                                    <a:rPr lang="de-DE" sz="2800" i="1">
+                                      <a:latin typeface="Cambria Math" panose="02040503050406030204" pitchFamily="18" charset="0"/>
+                                      <a:ea typeface="Cambria Math" panose="02040503050406030204" pitchFamily="18" charset="0"/>
+                                    </a:rPr>
+                                    <m:t>𝑋</m:t>
+                                  </m:r>
+                                </m:e>
+                              </m:d>
+                            </m:e>
+                          </m:d>
+                          <m:r>
+                            <a:rPr lang="de-DE" sz="2800" b="0" i="1" smtClean="0">
+                              <a:latin typeface="Cambria Math" panose="02040503050406030204" pitchFamily="18" charset="0"/>
+                              <a:ea typeface="Cambria Math" panose="02040503050406030204" pitchFamily="18" charset="0"/>
+                            </a:rPr>
+                            <m:t>=</m:t>
+                          </m:r>
+                          <m:func>
+                            <m:funcPr>
+                              <m:ctrlPr>
+                                <a:rPr lang="de-DE" sz="2800" b="0" i="1" smtClean="0">
+                                  <a:latin typeface="Cambria Math" panose="02040503050406030204" pitchFamily="18" charset="0"/>
+                                  <a:ea typeface="Cambria Math" panose="02040503050406030204" pitchFamily="18" charset="0"/>
+                                </a:rPr>
+                              </m:ctrlPr>
+                            </m:funcPr>
+                            <m:fName>
+                              <m:sSub>
+                                <m:sSubPr>
+                                  <m:ctrlPr>
+                                    <a:rPr lang="de-DE" sz="2800" b="0" i="1" smtClean="0">
+                                      <a:latin typeface="Cambria Math" panose="02040503050406030204" pitchFamily="18" charset="0"/>
+                                      <a:ea typeface="Cambria Math" panose="02040503050406030204" pitchFamily="18" charset="0"/>
+                                    </a:rPr>
+                                  </m:ctrlPr>
+                                </m:sSubPr>
+                                <m:e>
+                                  <m:r>
+                                    <m:rPr>
+                                      <m:sty m:val="p"/>
+                                    </m:rPr>
+                                    <a:rPr lang="de-DE" sz="2800" b="0" i="0" smtClean="0">
+                                      <a:latin typeface="Cambria Math" panose="02040503050406030204" pitchFamily="18" charset="0"/>
+                                      <a:ea typeface="Cambria Math" panose="02040503050406030204" pitchFamily="18" charset="0"/>
+                                    </a:rPr>
+                                    <m:t>log</m:t>
+                                  </m:r>
+                                </m:e>
+                                <m:sub>
+                                  <m:r>
+                                    <a:rPr lang="de-DE" sz="2800" b="0" i="1" smtClean="0">
+                                      <a:latin typeface="Cambria Math" panose="02040503050406030204" pitchFamily="18" charset="0"/>
+                                      <a:ea typeface="Cambria Math" panose="02040503050406030204" pitchFamily="18" charset="0"/>
+                                    </a:rPr>
+                                    <m:t>2</m:t>
+                                  </m:r>
+                                </m:sub>
+                              </m:sSub>
+                            </m:fName>
+                            <m:e>
+                              <m:d>
+                                <m:dPr>
+                                  <m:ctrlPr>
+                                    <a:rPr lang="de-DE" sz="2800" b="0" i="1" smtClean="0">
+                                      <a:latin typeface="Cambria Math" panose="02040503050406030204" pitchFamily="18" charset="0"/>
+                                      <a:ea typeface="Cambria Math" panose="02040503050406030204" pitchFamily="18" charset="0"/>
+                                    </a:rPr>
+                                  </m:ctrlPr>
+                                </m:dPr>
+                                <m:e>
+                                  <m:d>
+                                    <m:dPr>
+                                      <m:begChr m:val="|"/>
+                                      <m:endChr m:val="|"/>
+                                      <m:ctrlPr>
+                                        <a:rPr lang="de-DE" sz="2800" b="0" i="1" smtClean="0">
+                                          <a:latin typeface="Cambria Math" panose="02040503050406030204" pitchFamily="18" charset="0"/>
+                                          <a:ea typeface="Cambria Math" panose="02040503050406030204" pitchFamily="18" charset="0"/>
+                                        </a:rPr>
+                                      </m:ctrlPr>
+                                    </m:dPr>
+                                    <m:e>
+                                      <m:r>
+                                        <a:rPr lang="de-DE" sz="2800" b="0" i="1" smtClean="0">
+                                          <a:latin typeface="Cambria Math" panose="02040503050406030204" pitchFamily="18" charset="0"/>
+                                          <a:ea typeface="Cambria Math" panose="02040503050406030204" pitchFamily="18" charset="0"/>
+                                        </a:rPr>
+                                        <m:t>𝑋</m:t>
+                                      </m:r>
+                                    </m:e>
+                                  </m:d>
+                                </m:e>
+                              </m:d>
+                            </m:e>
+                          </m:func>
+                        </m:e>
+                      </m:func>
+                    </m:oMath>
+                  </m:oMathPara>
+                </a14:m>
+                <a:endParaRPr lang="de-DE" sz="2800" dirty="0" smtClean="0"/>
+              </a:p>
+              <a:p>
+                <a:pPr marL="0" indent="0">
+                  <a:buNone/>
+                </a:pPr>
+                <a:endParaRPr lang="de-DE" sz="2800" dirty="0"/>
+              </a:p>
+              <a:p>
+                <a:pPr marL="0" indent="0">
+                  <a:buNone/>
+                </a:pPr>
+                <a:r>
+                  <a:rPr lang="de-DE" sz="2800" dirty="0" smtClean="0"/>
+                  <a:t>=&gt;</a:t>
+                </a:r>
+                <a14:m>
+                  <m:oMath xmlns:m="http://schemas.openxmlformats.org/officeDocument/2006/math">
+                    <m:sSubSup>
+                      <m:sSubSupPr>
+                        <m:ctrlPr>
+                          <a:rPr lang="de-DE" sz="2800" i="1">
+                            <a:latin typeface="Cambria Math" panose="02040503050406030204" pitchFamily="18" charset="0"/>
+                          </a:rPr>
+                        </m:ctrlPr>
+                      </m:sSubSupPr>
+                      <m:e>
+                        <m:r>
+                          <a:rPr lang="de-DE" sz="2800" i="1">
+                            <a:latin typeface="Cambria Math" panose="02040503050406030204" pitchFamily="18" charset="0"/>
+                          </a:rPr>
+                          <m:t>𝐻</m:t>
+                        </m:r>
+                      </m:e>
+                      <m:sub>
+                        <m:sSub>
+                          <m:sSubPr>
+                            <m:ctrlPr>
+                              <a:rPr lang="de-DE" sz="2800" i="1">
+                                <a:latin typeface="Cambria Math" panose="02040503050406030204" pitchFamily="18" charset="0"/>
+                              </a:rPr>
+                            </m:ctrlPr>
+                          </m:sSubPr>
+                          <m:e>
+                            <m:r>
+                              <a:rPr lang="de-DE" sz="2800" i="1">
+                                <a:latin typeface="Cambria Math" panose="02040503050406030204" pitchFamily="18" charset="0"/>
+                              </a:rPr>
+                              <m:t>ℙ</m:t>
+                            </m:r>
+                          </m:e>
+                          <m:sub>
+                            <m:r>
+                              <a:rPr lang="de-DE" sz="2800" i="1">
+                                <a:latin typeface="Cambria Math" panose="02040503050406030204" pitchFamily="18" charset="0"/>
+                              </a:rPr>
+                              <m:t>2</m:t>
+                            </m:r>
+                          </m:sub>
+                        </m:sSub>
+                      </m:sub>
+                      <m:sup>
+                        <m:r>
+                          <a:rPr lang="de-DE" sz="2800" i="1">
+                            <a:latin typeface="Cambria Math" panose="02040503050406030204" pitchFamily="18" charset="0"/>
+                          </a:rPr>
+                          <m:t>𝑋</m:t>
+                        </m:r>
+                      </m:sup>
+                    </m:sSubSup>
+                    <m:r>
+                      <a:rPr lang="de-DE" sz="2800" b="0" i="1" smtClean="0">
+                        <a:latin typeface="Cambria Math" panose="02040503050406030204" pitchFamily="18" charset="0"/>
+                      </a:rPr>
+                      <m:t> </m:t>
+                    </m:r>
+                  </m:oMath>
+                </a14:m>
+                <a:r>
+                  <a:rPr lang="de-DE" sz="2800" dirty="0" smtClean="0"/>
+                  <a:t>ist </a:t>
+                </a:r>
+                <a:r>
+                  <a:rPr lang="de-DE" sz="2800" dirty="0" smtClean="0"/>
+                  <a:t>die obere Schranke</a:t>
+                </a:r>
+                <a:endParaRPr lang="de-DE" sz="2800" dirty="0"/>
+              </a:p>
+              <a:p>
+                <a:pPr marL="0" indent="0">
+                  <a:buNone/>
+                </a:pPr>
+                <a:r>
+                  <a:rPr lang="de-DE" sz="2800" dirty="0" smtClean="0"/>
+                  <a:t>=&gt; </a:t>
+                </a:r>
+                <a14:m>
+                  <m:oMath xmlns:m="http://schemas.openxmlformats.org/officeDocument/2006/math">
+                    <m:sSubSup>
+                      <m:sSubSupPr>
+                        <m:ctrlPr>
+                          <a:rPr lang="de-DE" sz="2800" i="1">
+                            <a:latin typeface="Cambria Math" panose="02040503050406030204" pitchFamily="18" charset="0"/>
+                          </a:rPr>
+                        </m:ctrlPr>
+                      </m:sSubSupPr>
+                      <m:e>
+                        <m:r>
+                          <a:rPr lang="de-DE" sz="2800" i="1">
+                            <a:latin typeface="Cambria Math" panose="02040503050406030204" pitchFamily="18" charset="0"/>
+                          </a:rPr>
+                          <m:t>𝐻</m:t>
+                        </m:r>
+                      </m:e>
+                      <m:sub>
+                        <m:sSub>
+                          <m:sSubPr>
+                            <m:ctrlPr>
+                              <a:rPr lang="de-DE" sz="2800" i="1">
+                                <a:latin typeface="Cambria Math" panose="02040503050406030204" pitchFamily="18" charset="0"/>
+                              </a:rPr>
+                            </m:ctrlPr>
+                          </m:sSubPr>
+                          <m:e>
+                            <m:r>
+                              <a:rPr lang="de-DE" sz="2800" i="1">
+                                <a:latin typeface="Cambria Math" panose="02040503050406030204" pitchFamily="18" charset="0"/>
+                              </a:rPr>
+                              <m:t>ℙ</m:t>
+                            </m:r>
+                          </m:e>
+                          <m:sub>
+                            <m:r>
+                              <a:rPr lang="de-DE" sz="2800" i="1">
+                                <a:latin typeface="Cambria Math" panose="02040503050406030204" pitchFamily="18" charset="0"/>
+                              </a:rPr>
+                              <m:t>1</m:t>
+                            </m:r>
+                          </m:sub>
+                        </m:sSub>
+                      </m:sub>
+                      <m:sup>
+                        <m:r>
+                          <a:rPr lang="de-DE" sz="2800" i="1">
+                            <a:latin typeface="Cambria Math" panose="02040503050406030204" pitchFamily="18" charset="0"/>
+                          </a:rPr>
+                          <m:t>𝑋</m:t>
+                        </m:r>
+                      </m:sup>
+                    </m:sSubSup>
+                    <m:r>
+                      <a:rPr lang="de-DE" sz="2800" i="1">
+                        <a:latin typeface="Cambria Math" panose="02040503050406030204" pitchFamily="18" charset="0"/>
+                      </a:rPr>
+                      <m:t>≤</m:t>
+                    </m:r>
+                    <m:sSubSup>
+                      <m:sSubSupPr>
+                        <m:ctrlPr>
+                          <a:rPr lang="de-DE" sz="2800" i="1">
+                            <a:latin typeface="Cambria Math" panose="02040503050406030204" pitchFamily="18" charset="0"/>
+                          </a:rPr>
+                        </m:ctrlPr>
+                      </m:sSubSupPr>
+                      <m:e>
+                        <m:r>
+                          <a:rPr lang="de-DE" sz="2800" i="1">
+                            <a:latin typeface="Cambria Math" panose="02040503050406030204" pitchFamily="18" charset="0"/>
+                          </a:rPr>
+                          <m:t>𝐻</m:t>
+                        </m:r>
+                      </m:e>
+                      <m:sub>
+                        <m:sSub>
+                          <m:sSubPr>
+                            <m:ctrlPr>
+                              <a:rPr lang="de-DE" sz="2800" i="1">
+                                <a:latin typeface="Cambria Math" panose="02040503050406030204" pitchFamily="18" charset="0"/>
+                              </a:rPr>
+                            </m:ctrlPr>
+                          </m:sSubPr>
+                          <m:e>
+                            <m:r>
+                              <a:rPr lang="de-DE" sz="2800" i="1">
+                                <a:latin typeface="Cambria Math" panose="02040503050406030204" pitchFamily="18" charset="0"/>
+                              </a:rPr>
+                              <m:t>ℙ</m:t>
+                            </m:r>
+                          </m:e>
+                          <m:sub>
+                            <m:r>
+                              <a:rPr lang="de-DE" sz="2800" i="1">
+                                <a:latin typeface="Cambria Math" panose="02040503050406030204" pitchFamily="18" charset="0"/>
+                              </a:rPr>
+                              <m:t>2</m:t>
+                            </m:r>
+                          </m:sub>
+                        </m:sSub>
+                      </m:sub>
+                      <m:sup>
+                        <m:r>
+                          <a:rPr lang="de-DE" sz="2800" i="1">
+                            <a:latin typeface="Cambria Math" panose="02040503050406030204" pitchFamily="18" charset="0"/>
+                          </a:rPr>
+                          <m:t>𝑋</m:t>
+                        </m:r>
+                      </m:sup>
+                    </m:sSubSup>
+                  </m:oMath>
+                </a14:m>
+                <a:r>
+                  <a:rPr lang="de-DE" sz="2800" dirty="0" smtClean="0"/>
+                  <a:t> gilt für alle </a:t>
+                </a:r>
+                <a14:m>
+                  <m:oMath xmlns:m="http://schemas.openxmlformats.org/officeDocument/2006/math">
+                    <m:sSub>
+                      <m:sSubPr>
+                        <m:ctrlPr>
+                          <a:rPr lang="de-DE" sz="2800" b="0" i="1" smtClean="0">
+                            <a:latin typeface="Cambria Math" panose="02040503050406030204" pitchFamily="18" charset="0"/>
+                          </a:rPr>
+                        </m:ctrlPr>
+                      </m:sSubPr>
+                      <m:e>
+                        <m:r>
+                          <a:rPr lang="de-DE" sz="2800" b="0" i="1" smtClean="0">
+                            <a:latin typeface="Cambria Math" panose="02040503050406030204" pitchFamily="18" charset="0"/>
+                          </a:rPr>
+                          <m:t>ℙ</m:t>
+                        </m:r>
+                      </m:e>
+                      <m:sub>
+                        <m:r>
+                          <a:rPr lang="de-DE" sz="2800" b="0" i="1" smtClean="0">
+                            <a:latin typeface="Cambria Math" panose="02040503050406030204" pitchFamily="18" charset="0"/>
+                          </a:rPr>
+                          <m:t>1</m:t>
+                        </m:r>
+                      </m:sub>
+                    </m:sSub>
+                  </m:oMath>
+                </a14:m>
                 <a:endParaRPr lang="de-DE" sz="2800" dirty="0"/>
               </a:p>
             </p:txBody>
@@ -10738,7 +12851,7 @@
               <a:blipFill rotWithShape="0">
                 <a:blip r:embed="rId2"/>
                 <a:stretch>
-                  <a:fillRect/>
+                  <a:fillRect l="-1361" b="-381"/>
                 </a:stretch>
               </a:blipFill>
             </p:spPr>
@@ -10774,7 +12887,7 @@
           <a:p>
             <a:fld id="{62A8A28E-B5F5-41EE-B009-8D872471EF33}" type="datetime1">
               <a:rPr lang="de-DE" smtClean="0"/>
-              <a:t>28.10.2016</a:t>
+              <a:t>02.11.2016</a:t>
             </a:fld>
             <a:endParaRPr lang="de-DE"/>
           </a:p>
@@ -10857,7 +12970,7 @@
           <a:p>
             <a:fld id="{5C65B871-89DE-4E08-A5A0-E5FD7EC4AD4D}" type="slidenum">
               <a:rPr lang="de-DE" smtClean="0"/>
-              <a:t>6</a:t>
+              <a:t>7</a:t>
             </a:fld>
             <a:endParaRPr lang="de-DE" dirty="0"/>
           </a:p>

--- a/Blatt-02/Präsentation.pptx
+++ b/Blatt-02/Präsentation.pptx
@@ -11726,6 +11726,64 @@
                       <m:jc m:val="centerGroup"/>
                     </m:oMathParaPr>
                     <m:oMath xmlns:m="http://schemas.openxmlformats.org/officeDocument/2006/math">
+                      <m:sSubSup>
+                        <m:sSubSupPr>
+                          <m:ctrlPr>
+                            <a:rPr lang="de-DE" sz="2800" i="1">
+                              <a:latin typeface="Cambria Math" panose="02040503050406030204" pitchFamily="18" charset="0"/>
+                            </a:rPr>
+                          </m:ctrlPr>
+                        </m:sSubSupPr>
+                        <m:e>
+                          <m:r>
+                            <a:rPr lang="de-DE" sz="2800" i="1">
+                              <a:latin typeface="Cambria Math" panose="02040503050406030204" pitchFamily="18" charset="0"/>
+                            </a:rPr>
+                            <m:t>𝐻</m:t>
+                          </m:r>
+                        </m:e>
+                        <m:sub>
+                          <m:sSub>
+                            <m:sSubPr>
+                              <m:ctrlPr>
+                                <a:rPr lang="de-DE" sz="2800" i="1">
+                                  <a:latin typeface="Cambria Math" panose="02040503050406030204" pitchFamily="18" charset="0"/>
+                                </a:rPr>
+                              </m:ctrlPr>
+                            </m:sSubPr>
+                            <m:e>
+                              <m:r>
+                                <a:rPr lang="de-DE" sz="2800" i="1">
+                                  <a:latin typeface="Cambria Math" panose="02040503050406030204" pitchFamily="18" charset="0"/>
+                                </a:rPr>
+                                <m:t>ℙ</m:t>
+                              </m:r>
+                            </m:e>
+                            <m:sub>
+                              <m:r>
+                                <a:rPr lang="de-DE" sz="2800" i="1">
+                                  <a:latin typeface="Cambria Math" panose="02040503050406030204" pitchFamily="18" charset="0"/>
+                                </a:rPr>
+                                <m:t>2</m:t>
+                              </m:r>
+                            </m:sub>
+                          </m:sSub>
+                        </m:sub>
+                        <m:sup>
+                          <m:r>
+                            <a:rPr lang="de-DE" sz="2800" i="1">
+                              <a:latin typeface="Cambria Math" panose="02040503050406030204" pitchFamily="18" charset="0"/>
+                            </a:rPr>
+                            <m:t>𝑋</m:t>
+                          </m:r>
+                        </m:sup>
+                      </m:sSubSup>
+                      <m:r>
+                        <a:rPr lang="de-DE" sz="2800" b="0" i="1" smtClean="0">
+                          <a:latin typeface="Cambria Math" panose="02040503050406030204" pitchFamily="18" charset="0"/>
+                        </a:rPr>
+                        <m:t>=</m:t>
+                      </m:r>
                       <m:r>
                         <a:rPr lang="de-DE" sz="2800" b="0" i="1" smtClean="0">
                           <a:latin typeface="Cambria Math" panose="02040503050406030204" pitchFamily="18" charset="0"/>
@@ -12280,7 +12338,7 @@
                           <a:latin typeface="Cambria Math" panose="02040503050406030204" pitchFamily="18" charset="0"/>
                           <a:ea typeface="Cambria Math" panose="02040503050406030204" pitchFamily="18" charset="0"/>
                         </a:rPr>
-                        <m:t> </m:t>
+                        <m:t>∗</m:t>
                       </m:r>
                       <m:nary>
                         <m:naryPr>
@@ -12664,11 +12722,7 @@
                 </a14:m>
                 <a:r>
                   <a:rPr lang="de-DE" sz="2800" dirty="0" smtClean="0"/>
-                  <a:t>ist </a:t>
-                </a:r>
-                <a:r>
-                  <a:rPr lang="de-DE" sz="2800" dirty="0" smtClean="0"/>
-                  <a:t>die obere Schranke</a:t>
+                  <a:t>ist die obere Schranke</a:t>
                 </a:r>
                 <a:endParaRPr lang="de-DE" sz="2800" dirty="0"/>
               </a:p>

--- a/Blatt-02/Präsentation.pptx
+++ b/Blatt-02/Präsentation.pptx
@@ -11005,7 +11005,7 @@
                               <m:sup/>
                               <m:e>
                                 <m:r>
-                                  <a:rPr lang="de-DE" sz="2800" i="1">
+                                  <a:rPr lang="de-DE" sz="2800" i="1" smtClean="0">
                                     <a:latin typeface="Cambria Math" panose="02040503050406030204" pitchFamily="18" charset="0"/>
                                     <a:ea typeface="Cambria Math" panose="02040503050406030204" pitchFamily="18" charset="0"/>
                                   </a:rPr>
@@ -11241,11 +11241,7 @@
                 </a14:m>
                 <a:r>
                   <a:rPr lang="de-DE" sz="2800" dirty="0" smtClean="0"/>
-                  <a:t> („</a:t>
-                </a:r>
-                <a:r>
-                  <a:rPr lang="de-DE" sz="2800" smtClean="0"/>
-                  <a:t>obere Schranke“)</a:t>
+                  <a:t> („obere Schranke“)</a:t>
                 </a:r>
                 <a:endParaRPr lang="de-DE" sz="2800" dirty="0"/>
               </a:p>
@@ -11449,8 +11445,8 @@
           </a:p>
         </p:txBody>
       </p:sp>
-      <mc:AlternateContent xmlns:mc="http://schemas.openxmlformats.org/markup-compatibility/2006">
-        <mc:Choice xmlns:a14="http://schemas.microsoft.com/office/drawing/2010/main" Requires="a14">
+      <mc:AlternateContent xmlns:mc="http://schemas.openxmlformats.org/markup-compatibility/2006" xmlns:a14="http://schemas.microsoft.com/office/drawing/2010/main">
+        <mc:Choice Requires="a14">
           <p:sp>
             <p:nvSpPr>
               <p:cNvPr id="3" name="Inhaltsplatzhalter 2"/>
@@ -11782,13 +11778,7 @@
                         <a:rPr lang="de-DE" sz="2800" b="0" i="1" smtClean="0">
                           <a:latin typeface="Cambria Math" panose="02040503050406030204" pitchFamily="18" charset="0"/>
                         </a:rPr>
-                        <m:t>=</m:t>
-                      </m:r>
-                      <m:r>
-                        <a:rPr lang="de-DE" sz="2800" b="0" i="1" smtClean="0">
-                          <a:latin typeface="Cambria Math" panose="02040503050406030204" pitchFamily="18" charset="0"/>
-                        </a:rPr>
-                        <m:t>−</m:t>
+                        <m:t>=−</m:t>
                       </m:r>
                       <m:nary>
                         <m:naryPr>
@@ -12642,12 +12632,6 @@
                     </m:oMath>
                   </m:oMathPara>
                 </a14:m>
-                <a:endParaRPr lang="de-DE" sz="2800" dirty="0" smtClean="0"/>
-              </a:p>
-              <a:p>
-                <a:pPr marL="0" indent="0">
-                  <a:buNone/>
-                </a:pPr>
                 <a:endParaRPr lang="de-DE" sz="2800" dirty="0"/>
               </a:p>
               <a:p>
@@ -12663,7 +12647,7 @@
                     <m:sSubSup>
                       <m:sSubSupPr>
                         <m:ctrlPr>
-                          <a:rPr lang="de-DE" sz="2800" i="1">
+                          <a:rPr lang="de-DE" sz="2800" i="1" smtClean="0">
                             <a:latin typeface="Cambria Math" panose="02040503050406030204" pitchFamily="18" charset="0"/>
                           </a:rPr>
                         </m:ctrlPr>
@@ -12723,6 +12707,15 @@
                 <a:r>
                   <a:rPr lang="de-DE" sz="2800" dirty="0" smtClean="0"/>
                   <a:t>ist die obere Schranke</a:t>
+                </a:r>
+              </a:p>
+              <a:p>
+                <a:pPr marL="0" indent="0">
+                  <a:buNone/>
+                </a:pPr>
+                <a:r>
+                  <a:rPr lang="de-DE" sz="2800" dirty="0" smtClean="0"/>
+                  <a:t>=&gt; Maximale Entropie bei Gleichverteilung</a:t>
                 </a:r>
                 <a:endParaRPr lang="de-DE" sz="2800" dirty="0"/>
               </a:p>
@@ -12886,7 +12879,7 @@
             </p:txBody>
           </p:sp>
         </mc:Choice>
-        <mc:Fallback>
+        <mc:Fallback xmlns="">
           <p:sp>
             <p:nvSpPr>
               <p:cNvPr id="3" name="Inhaltsplatzhalter 2"/>

--- a/Blatt-02/Präsentation.pptx
+++ b/Blatt-02/Präsentation.pptx
@@ -203,7 +203,7 @@
           <a:p>
             <a:fld id="{2F9ACA95-1F7E-40AB-98C2-525508467FA4}" type="datetimeFigureOut">
               <a:rPr lang="de-DE" smtClean="0"/>
-              <a:t>02.11.2016</a:t>
+              <a:t>04.11.2016</a:t>
             </a:fld>
             <a:endParaRPr lang="de-DE"/>
           </a:p>
@@ -665,7 +665,7 @@
           <a:p>
             <a:fld id="{FFB9B448-9D56-4847-9449-FEA23C208484}" type="datetime1">
               <a:rPr lang="de-DE" smtClean="0"/>
-              <a:t>02.11.2016</a:t>
+              <a:t>04.11.2016</a:t>
             </a:fld>
             <a:endParaRPr lang="de-DE"/>
           </a:p>
@@ -950,7 +950,7 @@
           <a:p>
             <a:fld id="{D5101F55-84DD-4CC8-9DC5-A961225D8AD0}" type="datetime1">
               <a:rPr lang="de-DE" smtClean="0"/>
-              <a:t>02.11.2016</a:t>
+              <a:t>04.11.2016</a:t>
             </a:fld>
             <a:endParaRPr lang="de-DE"/>
           </a:p>
@@ -1144,7 +1144,7 @@
           <a:p>
             <a:fld id="{1DF941D6-187C-4382-AA25-C433F49CFDE9}" type="datetime1">
               <a:rPr lang="de-DE" smtClean="0"/>
-              <a:t>02.11.2016</a:t>
+              <a:t>04.11.2016</a:t>
             </a:fld>
             <a:endParaRPr lang="de-DE"/>
           </a:p>
@@ -1417,7 +1417,7 @@
           <a:p>
             <a:fld id="{D7C252ED-C230-4A26-B3C4-0B552D630415}" type="datetime1">
               <a:rPr lang="de-DE" smtClean="0"/>
-              <a:t>02.11.2016</a:t>
+              <a:t>04.11.2016</a:t>
             </a:fld>
             <a:endParaRPr lang="de-DE"/>
           </a:p>
@@ -1758,7 +1758,7 @@
           <a:p>
             <a:fld id="{66EDD134-AFB6-44CF-BF5E-9AA63954F15F}" type="datetime1">
               <a:rPr lang="de-DE" smtClean="0"/>
-              <a:t>02.11.2016</a:t>
+              <a:t>04.11.2016</a:t>
             </a:fld>
             <a:endParaRPr lang="de-DE"/>
           </a:p>
@@ -2381,7 +2381,7 @@
           <a:p>
             <a:fld id="{15B35619-9EBD-4CE2-B9AB-29B9A9708D56}" type="datetime1">
               <a:rPr lang="de-DE" smtClean="0"/>
-              <a:t>02.11.2016</a:t>
+              <a:t>04.11.2016</a:t>
             </a:fld>
             <a:endParaRPr lang="de-DE"/>
           </a:p>
@@ -3241,7 +3241,7 @@
           <a:p>
             <a:fld id="{F779AAE1-DA64-4553-8450-F76990E95D17}" type="datetime1">
               <a:rPr lang="de-DE" smtClean="0"/>
-              <a:t>02.11.2016</a:t>
+              <a:t>04.11.2016</a:t>
             </a:fld>
             <a:endParaRPr lang="de-DE"/>
           </a:p>
@@ -3411,7 +3411,7 @@
           <a:p>
             <a:fld id="{C070D5ED-9C58-444B-A9F3-09364A72AAA6}" type="datetime1">
               <a:rPr lang="de-DE" smtClean="0"/>
-              <a:t>02.11.2016</a:t>
+              <a:t>04.11.2016</a:t>
             </a:fld>
             <a:endParaRPr lang="de-DE"/>
           </a:p>
@@ -3591,7 +3591,7 @@
           <a:p>
             <a:fld id="{9CC4B844-5603-498E-8854-01FDF44E05A3}" type="datetime1">
               <a:rPr lang="de-DE" smtClean="0"/>
-              <a:t>02.11.2016</a:t>
+              <a:t>04.11.2016</a:t>
             </a:fld>
             <a:endParaRPr lang="de-DE"/>
           </a:p>
@@ -3808,7 +3808,7 @@
           <a:p>
             <a:fld id="{62A8A28E-B5F5-41EE-B009-8D872471EF33}" type="datetime1">
               <a:rPr lang="de-DE" smtClean="0"/>
-              <a:t>02.11.2016</a:t>
+              <a:t>04.11.2016</a:t>
             </a:fld>
             <a:endParaRPr lang="de-DE"/>
           </a:p>
@@ -4101,7 +4101,7 @@
           <a:p>
             <a:fld id="{C668A2FC-1D94-4AFD-B13A-264307E66F0E}" type="datetime1">
               <a:rPr lang="de-DE" smtClean="0"/>
-              <a:t>02.11.2016</a:t>
+              <a:t>04.11.2016</a:t>
             </a:fld>
             <a:endParaRPr lang="de-DE"/>
           </a:p>
@@ -4393,7 +4393,7 @@
           <a:p>
             <a:fld id="{2392C0AE-0F7D-4F53-A2FC-117257E6363C}" type="datetime1">
               <a:rPr lang="de-DE" smtClean="0"/>
-              <a:t>02.11.2016</a:t>
+              <a:t>04.11.2016</a:t>
             </a:fld>
             <a:endParaRPr lang="de-DE"/>
           </a:p>
@@ -4837,7 +4837,7 @@
           <a:p>
             <a:fld id="{024A5A3D-FE15-4E66-B8EF-993BEB944775}" type="datetime1">
               <a:rPr lang="de-DE" smtClean="0"/>
-              <a:t>02.11.2016</a:t>
+              <a:t>04.11.2016</a:t>
             </a:fld>
             <a:endParaRPr lang="de-DE"/>
           </a:p>
@@ -4955,7 +4955,7 @@
           <a:p>
             <a:fld id="{00286FA3-E64C-4EE7-A4EB-8F83E8E9A7CE}" type="datetime1">
               <a:rPr lang="de-DE" smtClean="0"/>
-              <a:t>02.11.2016</a:t>
+              <a:t>04.11.2016</a:t>
             </a:fld>
             <a:endParaRPr lang="de-DE"/>
           </a:p>
@@ -5050,7 +5050,7 @@
           <a:p>
             <a:fld id="{0815E655-9175-41F2-86F9-456F81B03D6B}" type="datetime1">
               <a:rPr lang="de-DE" smtClean="0"/>
-              <a:t>02.11.2016</a:t>
+              <a:t>04.11.2016</a:t>
             </a:fld>
             <a:endParaRPr lang="de-DE"/>
           </a:p>
@@ -5329,7 +5329,7 @@
           <a:p>
             <a:fld id="{6109BDD6-B3C4-4BA6-9B0A-C065E0514132}" type="datetime1">
               <a:rPr lang="de-DE" smtClean="0"/>
-              <a:t>02.11.2016</a:t>
+              <a:t>04.11.2016</a:t>
             </a:fld>
             <a:endParaRPr lang="de-DE"/>
           </a:p>
@@ -5604,7 +5604,7 @@
           <a:p>
             <a:fld id="{1350D439-E1FF-4A10-8D0F-32AF8651CAFC}" type="datetime1">
               <a:rPr lang="de-DE" smtClean="0"/>
-              <a:t>02.11.2016</a:t>
+              <a:t>04.11.2016</a:t>
             </a:fld>
             <a:endParaRPr lang="de-DE"/>
           </a:p>
@@ -6033,7 +6033,7 @@
           <a:p>
             <a:fld id="{3B8CB95F-FF94-40FD-9011-74B5D39A5779}" type="datetime1">
               <a:rPr lang="de-DE" smtClean="0"/>
-              <a:t>02.11.2016</a:t>
+              <a:t>04.11.2016</a:t>
             </a:fld>
             <a:endParaRPr lang="de-DE"/>
           </a:p>
@@ -6627,7 +6627,7 @@
           <a:p>
             <a:fld id="{BCC8CF4D-1F15-45F0-B9F6-88473EBEFC5A}" type="datetime1">
               <a:rPr lang="de-DE" smtClean="0"/>
-              <a:t>02.11.2016</a:t>
+              <a:t>04.11.2016</a:t>
             </a:fld>
             <a:endParaRPr lang="de-DE"/>
           </a:p>
@@ -7463,7 +7463,7 @@
           <a:p>
             <a:fld id="{62A8A28E-B5F5-41EE-B009-8D872471EF33}" type="datetime1">
               <a:rPr lang="de-DE" smtClean="0"/>
-              <a:t>02.11.2016</a:t>
+              <a:t>04.11.2016</a:t>
             </a:fld>
             <a:endParaRPr lang="de-DE"/>
           </a:p>
@@ -7605,8 +7605,8 @@
           </a:p>
         </p:txBody>
       </p:sp>
-      <mc:AlternateContent xmlns:mc="http://schemas.openxmlformats.org/markup-compatibility/2006" xmlns:a14="http://schemas.microsoft.com/office/drawing/2010/main">
-        <mc:Choice Requires="a14">
+      <mc:AlternateContent xmlns:mc="http://schemas.openxmlformats.org/markup-compatibility/2006">
+        <mc:Choice xmlns:a14="http://schemas.microsoft.com/office/drawing/2010/main" Requires="a14">
           <p:sp>
             <p:nvSpPr>
               <p:cNvPr id="3" name="Inhaltsplatzhalter 2"/>
@@ -8060,52 +8060,34 @@
                   <a:rPr lang="de-DE" sz="2400" b="0" dirty="0" smtClean="0"/>
                   <a:t>	</a:t>
                 </a:r>
+                <a:r>
+                  <a:rPr lang="de-DE" sz="2400" b="0" dirty="0" smtClean="0"/>
+                  <a:t>Kopf </a:t>
+                </a:r>
                 <a14:m>
                   <m:oMath xmlns:m="http://schemas.openxmlformats.org/officeDocument/2006/math">
-                    <m:d>
-                      <m:dPr>
-                        <m:begChr m:val="{"/>
-                        <m:endChr m:val="}"/>
-                        <m:ctrlPr>
-                          <a:rPr lang="de-DE" sz="2400" b="0" i="1" smtClean="0">
-                            <a:latin typeface="Cambria Math" panose="02040503050406030204" pitchFamily="18" charset="0"/>
-                          </a:rPr>
-                        </m:ctrlPr>
-                      </m:dPr>
-                      <m:e>
-                        <m:r>
-                          <a:rPr lang="de-DE" sz="2400" b="0" i="1" smtClean="0">
-                            <a:latin typeface="Cambria Math" panose="02040503050406030204" pitchFamily="18" charset="0"/>
-                          </a:rPr>
-                          <m:t>𝐾𝑜𝑝𝑓</m:t>
-                        </m:r>
-                      </m:e>
-                    </m:d>
                     <m:r>
                       <a:rPr lang="de-DE" sz="2400" b="0" i="1" smtClean="0">
                         <a:latin typeface="Cambria Math" panose="02040503050406030204" pitchFamily="18" charset="0"/>
                       </a:rPr>
-                      <m:t>→42, </m:t>
+                      <m:t>→42,</m:t>
                     </m:r>
-                    <m:d>
-                      <m:dPr>
-                        <m:begChr m:val="{"/>
-                        <m:endChr m:val="}"/>
-                        <m:ctrlPr>
-                          <a:rPr lang="de-DE" sz="2400" b="0" i="1" smtClean="0">
-                            <a:latin typeface="Cambria Math" panose="02040503050406030204" pitchFamily="18" charset="0"/>
-                          </a:rPr>
-                        </m:ctrlPr>
-                      </m:dPr>
-                      <m:e>
-                        <m:r>
-                          <a:rPr lang="de-DE" sz="2400" b="0" i="1" smtClean="0">
-                            <a:latin typeface="Cambria Math" panose="02040503050406030204" pitchFamily="18" charset="0"/>
-                          </a:rPr>
-                          <m:t>𝑍𝑎h𝑙</m:t>
-                        </m:r>
-                      </m:e>
-                    </m:d>
+                    <m:r>
+                      <m:rPr>
+                        <m:nor/>
+                      </m:rPr>
+                      <a:rPr lang="de-DE" sz="2400" b="0" i="0" smtClean="0">
+                        <a:latin typeface="Cambria Math" panose="02040503050406030204" pitchFamily="18" charset="0"/>
+                      </a:rPr>
+                      <m:t> </m:t>
+                    </m:r>
+                    <m:r>
+                      <m:rPr>
+                        <m:nor/>
+                      </m:rPr>
+                      <a:rPr lang="de-DE" sz="2400" b="0" i="0" dirty="0" smtClean="0"/>
+                      <m:t>Zahl</m:t>
+                    </m:r>
                     <m:r>
                       <a:rPr lang="de-DE" sz="2400" b="0" i="1" smtClean="0">
                         <a:latin typeface="Cambria Math" panose="02040503050406030204" pitchFamily="18" charset="0"/>
@@ -8306,7 +8288,7 @@
             </p:txBody>
           </p:sp>
         </mc:Choice>
-        <mc:Fallback xmlns="">
+        <mc:Fallback>
           <p:sp>
             <p:nvSpPr>
               <p:cNvPr id="3" name="Inhaltsplatzhalter 2"/>
@@ -8357,7 +8339,7 @@
           <a:p>
             <a:fld id="{62A8A28E-B5F5-41EE-B009-8D872471EF33}" type="datetime1">
               <a:rPr lang="de-DE" smtClean="0"/>
-              <a:t>02.11.2016</a:t>
+              <a:t>04.11.2016</a:t>
             </a:fld>
             <a:endParaRPr lang="de-DE"/>
           </a:p>
@@ -8557,7 +8539,7 @@
           <a:p>
             <a:fld id="{62A8A28E-B5F5-41EE-B009-8D872471EF33}" type="datetime1">
               <a:rPr lang="de-DE" smtClean="0"/>
-              <a:t>02.11.2016</a:t>
+              <a:t>04.11.2016</a:t>
             </a:fld>
             <a:endParaRPr lang="de-DE"/>
           </a:p>
@@ -9946,7 +9928,7 @@
           <a:p>
             <a:fld id="{62A8A28E-B5F5-41EE-B009-8D872471EF33}" type="datetime1">
               <a:rPr lang="de-DE" smtClean="0"/>
-              <a:t>02.11.2016</a:t>
+              <a:t>04.11.2016</a:t>
             </a:fld>
             <a:endParaRPr lang="de-DE"/>
           </a:p>
@@ -11303,7 +11285,7 @@
           <a:p>
             <a:fld id="{62A8A28E-B5F5-41EE-B009-8D872471EF33}" type="datetime1">
               <a:rPr lang="de-DE" smtClean="0"/>
-              <a:t>02.11.2016</a:t>
+              <a:t>04.11.2016</a:t>
             </a:fld>
             <a:endParaRPr lang="de-DE"/>
           </a:p>
@@ -12934,7 +12916,7 @@
           <a:p>
             <a:fld id="{62A8A28E-B5F5-41EE-B009-8D872471EF33}" type="datetime1">
               <a:rPr lang="de-DE" smtClean="0"/>
-              <a:t>02.11.2016</a:t>
+              <a:t>04.11.2016</a:t>
             </a:fld>
             <a:endParaRPr lang="de-DE"/>
           </a:p>
